--- a/PHASE2 Non-Invasive point of care ECG signal detection and analytics for cardiac diseases_180107058_ Shubham_Kumar_Gupta.pptx
+++ b/PHASE2 Non-Invasive point of care ECG signal detection and analytics for cardiac diseases_180107058_ Shubham_Kumar_Gupta.pptx
@@ -16,9 +16,10 @@
     <p:sldId id="368" r:id="rId13"/>
     <p:sldId id="369" r:id="rId14"/>
     <p:sldId id="371" r:id="rId15"/>
-    <p:sldId id="372" r:id="rId16"/>
-    <p:sldId id="373" r:id="rId17"/>
-    <p:sldId id="366" r:id="rId18"/>
+    <p:sldId id="374" r:id="rId16"/>
+    <p:sldId id="372" r:id="rId17"/>
+    <p:sldId id="373" r:id="rId18"/>
+    <p:sldId id="366" r:id="rId19"/>
   </p:sldIdLst>
   <p:sldSz cx="12192000" cy="6858000"/>
   <p:notesSz cx="6858000" cy="9144000"/>
@@ -206,7 +207,7 @@
   <pc:docChgLst>
     <pc:chgData name="SHUBHAM KUMAR GUPTA" userId="8e7f5f55-d4f1-45ea-be2d-21c950950cb2" providerId="ADAL" clId="{729E73AB-F299-47CD-84ED-644CCD625069}"/>
     <pc:docChg chg="undo custSel addSld delSld modSld sldOrd">
-      <pc:chgData name="SHUBHAM KUMAR GUPTA" userId="8e7f5f55-d4f1-45ea-be2d-21c950950cb2" providerId="ADAL" clId="{729E73AB-F299-47CD-84ED-644CCD625069}" dt="2022-02-03T22:56:45.627" v="3670" actId="20577"/>
+      <pc:chgData name="SHUBHAM KUMAR GUPTA" userId="8e7f5f55-d4f1-45ea-be2d-21c950950cb2" providerId="ADAL" clId="{729E73AB-F299-47CD-84ED-644CCD625069}" dt="2022-02-04T09:39:27.677" v="4206" actId="339"/>
       <pc:docMkLst>
         <pc:docMk/>
       </pc:docMkLst>
@@ -703,8 +704,8 @@
           </ac:picMkLst>
         </pc:picChg>
       </pc:sldChg>
-      <pc:sldChg chg="addSp delSp modSp add mod">
-        <pc:chgData name="SHUBHAM KUMAR GUPTA" userId="8e7f5f55-d4f1-45ea-be2d-21c950950cb2" providerId="ADAL" clId="{729E73AB-F299-47CD-84ED-644CCD625069}" dt="2022-02-03T22:56:04.264" v="3645"/>
+      <pc:sldChg chg="addSp delSp modSp add mod modTransition">
+        <pc:chgData name="SHUBHAM KUMAR GUPTA" userId="8e7f5f55-d4f1-45ea-be2d-21c950950cb2" providerId="ADAL" clId="{729E73AB-F299-47CD-84ED-644CCD625069}" dt="2022-02-04T07:24:27.632" v="4054" actId="1038"/>
         <pc:sldMkLst>
           <pc:docMk/>
           <pc:sldMk cId="1886097046" sldId="369"/>
@@ -765,6 +766,14 @@
             <ac:graphicFrameMk id="5" creationId="{D3D8BC20-1EDD-4F72-94F6-3CF4CE67880A}"/>
           </ac:graphicFrameMkLst>
         </pc:graphicFrameChg>
+        <pc:graphicFrameChg chg="add mod">
+          <ac:chgData name="SHUBHAM KUMAR GUPTA" userId="8e7f5f55-d4f1-45ea-be2d-21c950950cb2" providerId="ADAL" clId="{729E73AB-F299-47CD-84ED-644CCD625069}" dt="2022-02-04T07:24:23.422" v="4000" actId="1037"/>
+          <ac:graphicFrameMkLst>
+            <pc:docMk/>
+            <pc:sldMk cId="1886097046" sldId="369"/>
+            <ac:graphicFrameMk id="6" creationId="{E344EBA1-2ADA-46A2-852F-3745C63FCE86}"/>
+          </ac:graphicFrameMkLst>
+        </pc:graphicFrameChg>
         <pc:graphicFrameChg chg="add del mod">
           <ac:chgData name="SHUBHAM KUMAR GUPTA" userId="8e7f5f55-d4f1-45ea-be2d-21c950950cb2" providerId="ADAL" clId="{729E73AB-F299-47CD-84ED-644CCD625069}" dt="2022-02-03T20:45:15.656" v="2030"/>
           <ac:graphicFrameMkLst>
@@ -795,6 +804,14 @@
             <pc:docMk/>
             <pc:sldMk cId="1886097046" sldId="369"/>
             <ac:picMk id="4" creationId="{637FDE87-C9D0-43F3-AFFB-BC073D0798BD}"/>
+          </ac:picMkLst>
+        </pc:picChg>
+        <pc:picChg chg="add mod">
+          <ac:chgData name="SHUBHAM KUMAR GUPTA" userId="8e7f5f55-d4f1-45ea-be2d-21c950950cb2" providerId="ADAL" clId="{729E73AB-F299-47CD-84ED-644CCD625069}" dt="2022-02-04T07:24:27.632" v="4054" actId="1038"/>
+          <ac:picMkLst>
+            <pc:docMk/>
+            <pc:sldMk cId="1886097046" sldId="369"/>
+            <ac:picMk id="5" creationId="{E3CEDB65-66E3-4FA6-8711-0D362DF9968C}"/>
           </ac:picMkLst>
         </pc:picChg>
         <pc:picChg chg="add del mod">
@@ -1077,8 +1094,8 @@
           </ac:picMkLst>
         </pc:picChg>
       </pc:sldChg>
-      <pc:sldChg chg="addSp delSp modSp add mod">
-        <pc:chgData name="SHUBHAM KUMAR GUPTA" userId="8e7f5f55-d4f1-45ea-be2d-21c950950cb2" providerId="ADAL" clId="{729E73AB-F299-47CD-84ED-644CCD625069}" dt="2022-02-03T22:55:48.194" v="3639" actId="20577"/>
+      <pc:sldChg chg="addSp delSp modSp add mod modTransition">
+        <pc:chgData name="SHUBHAM KUMAR GUPTA" userId="8e7f5f55-d4f1-45ea-be2d-21c950950cb2" providerId="ADAL" clId="{729E73AB-F299-47CD-84ED-644CCD625069}" dt="2022-02-04T07:26:55.232" v="4176" actId="1038"/>
         <pc:sldMkLst>
           <pc:docMk/>
           <pc:sldMk cId="2413773768" sldId="371"/>
@@ -1092,11 +1109,43 @@
           </ac:spMkLst>
         </pc:spChg>
         <pc:graphicFrameChg chg="add mod">
-          <ac:chgData name="SHUBHAM KUMAR GUPTA" userId="8e7f5f55-d4f1-45ea-be2d-21c950950cb2" providerId="ADAL" clId="{729E73AB-F299-47CD-84ED-644CCD625069}" dt="2022-02-03T22:27:38.194" v="2513" actId="1076"/>
+          <ac:chgData name="SHUBHAM KUMAR GUPTA" userId="8e7f5f55-d4f1-45ea-be2d-21c950950cb2" providerId="ADAL" clId="{729E73AB-F299-47CD-84ED-644CCD625069}" dt="2022-02-04T07:22:52.683" v="3689" actId="1076"/>
           <ac:graphicFrameMkLst>
             <pc:docMk/>
             <pc:sldMk cId="2413773768" sldId="371"/>
             <ac:graphicFrameMk id="3" creationId="{959B732C-E353-4682-B4C7-A8589253360E}"/>
+          </ac:graphicFrameMkLst>
+        </pc:graphicFrameChg>
+        <pc:graphicFrameChg chg="add del mod modGraphic">
+          <ac:chgData name="SHUBHAM KUMAR GUPTA" userId="8e7f5f55-d4f1-45ea-be2d-21c950950cb2" providerId="ADAL" clId="{729E73AB-F299-47CD-84ED-644CCD625069}" dt="2022-02-04T07:21:39.603" v="3676" actId="21"/>
+          <ac:graphicFrameMkLst>
+            <pc:docMk/>
+            <pc:sldMk cId="2413773768" sldId="371"/>
+            <ac:graphicFrameMk id="4" creationId="{B29EB036-BA6F-473D-B074-D480A23EF55F}"/>
+          </ac:graphicFrameMkLst>
+        </pc:graphicFrameChg>
+        <pc:graphicFrameChg chg="add del mod modGraphic">
+          <ac:chgData name="SHUBHAM KUMAR GUPTA" userId="8e7f5f55-d4f1-45ea-be2d-21c950950cb2" providerId="ADAL" clId="{729E73AB-F299-47CD-84ED-644CCD625069}" dt="2022-02-04T07:26:49.652" v="4066" actId="478"/>
+          <ac:graphicFrameMkLst>
+            <pc:docMk/>
+            <pc:sldMk cId="2413773768" sldId="371"/>
+            <ac:graphicFrameMk id="5" creationId="{F0477152-4A3A-4A0F-8B8D-08E3D11ED33E}"/>
+          </ac:graphicFrameMkLst>
+        </pc:graphicFrameChg>
+        <pc:graphicFrameChg chg="add del mod modGraphic">
+          <ac:chgData name="SHUBHAM KUMAR GUPTA" userId="8e7f5f55-d4f1-45ea-be2d-21c950950cb2" providerId="ADAL" clId="{729E73AB-F299-47CD-84ED-644CCD625069}" dt="2022-02-04T07:22:47.043" v="3685" actId="478"/>
+          <ac:graphicFrameMkLst>
+            <pc:docMk/>
+            <pc:sldMk cId="2413773768" sldId="371"/>
+            <ac:graphicFrameMk id="7" creationId="{676CEB4F-B2B6-4FEA-89ED-8AD49B2283B3}"/>
+          </ac:graphicFrameMkLst>
+        </pc:graphicFrameChg>
+        <pc:graphicFrameChg chg="add mod">
+          <ac:chgData name="SHUBHAM KUMAR GUPTA" userId="8e7f5f55-d4f1-45ea-be2d-21c950950cb2" providerId="ADAL" clId="{729E73AB-F299-47CD-84ED-644CCD625069}" dt="2022-02-04T07:26:55.232" v="4176" actId="1038"/>
+          <ac:graphicFrameMkLst>
+            <pc:docMk/>
+            <pc:sldMk cId="2413773768" sldId="371"/>
+            <ac:graphicFrameMk id="9" creationId="{66731255-D364-4E75-83FA-3E1D9624BDD7}"/>
           </ac:graphicFrameMkLst>
         </pc:graphicFrameChg>
         <pc:picChg chg="del">
@@ -1163,7 +1212,7 @@
         </pc:picChg>
       </pc:sldChg>
       <pc:sldChg chg="addSp delSp modSp add mod">
-        <pc:chgData name="SHUBHAM KUMAR GUPTA" userId="8e7f5f55-d4f1-45ea-be2d-21c950950cb2" providerId="ADAL" clId="{729E73AB-F299-47CD-84ED-644CCD625069}" dt="2022-02-03T22:55:29.311" v="3624" actId="113"/>
+        <pc:chgData name="SHUBHAM KUMAR GUPTA" userId="8e7f5f55-d4f1-45ea-be2d-21c950950cb2" providerId="ADAL" clId="{729E73AB-F299-47CD-84ED-644CCD625069}" dt="2022-02-04T07:36:27.850" v="4202" actId="20577"/>
         <pc:sldMkLst>
           <pc:docMk/>
           <pc:sldMk cId="4104694244" sldId="373"/>
@@ -1209,7 +1258,7 @@
           </ac:spMkLst>
         </pc:spChg>
         <pc:graphicFrameChg chg="add mod">
-          <ac:chgData name="SHUBHAM KUMAR GUPTA" userId="8e7f5f55-d4f1-45ea-be2d-21c950950cb2" providerId="ADAL" clId="{729E73AB-F299-47CD-84ED-644CCD625069}" dt="2022-02-03T22:45:42.315" v="3295" actId="20577"/>
+          <ac:chgData name="SHUBHAM KUMAR GUPTA" userId="8e7f5f55-d4f1-45ea-be2d-21c950950cb2" providerId="ADAL" clId="{729E73AB-F299-47CD-84ED-644CCD625069}" dt="2022-02-04T07:36:27.850" v="4202" actId="20577"/>
           <ac:graphicFrameMkLst>
             <pc:docMk/>
             <pc:sldMk cId="4104694244" sldId="373"/>
@@ -1224,6 +1273,60 @@
             <ac:picMk id="6" creationId="{87A8B5C7-DB00-45E7-A02C-723299DBF4C3}"/>
           </ac:picMkLst>
         </pc:picChg>
+      </pc:sldChg>
+      <pc:sldChg chg="addSp delSp modSp add mod modTransition">
+        <pc:chgData name="SHUBHAM KUMAR GUPTA" userId="8e7f5f55-d4f1-45ea-be2d-21c950950cb2" providerId="ADAL" clId="{729E73AB-F299-47CD-84ED-644CCD625069}" dt="2022-02-04T09:39:27.677" v="4206" actId="339"/>
+        <pc:sldMkLst>
+          <pc:docMk/>
+          <pc:sldMk cId="2261321307" sldId="374"/>
+        </pc:sldMkLst>
+        <pc:graphicFrameChg chg="mod">
+          <ac:chgData name="SHUBHAM KUMAR GUPTA" userId="8e7f5f55-d4f1-45ea-be2d-21c950950cb2" providerId="ADAL" clId="{729E73AB-F299-47CD-84ED-644CCD625069}" dt="2022-02-04T07:23:48.582" v="3824" actId="1076"/>
+          <ac:graphicFrameMkLst>
+            <pc:docMk/>
+            <pc:sldMk cId="2261321307" sldId="374"/>
+            <ac:graphicFrameMk id="3" creationId="{959B732C-E353-4682-B4C7-A8589253360E}"/>
+          </ac:graphicFrameMkLst>
+        </pc:graphicFrameChg>
+        <pc:graphicFrameChg chg="add del mod modGraphic">
+          <ac:chgData name="SHUBHAM KUMAR GUPTA" userId="8e7f5f55-d4f1-45ea-be2d-21c950950cb2" providerId="ADAL" clId="{729E73AB-F299-47CD-84ED-644CCD625069}" dt="2022-02-04T07:25:52.773" v="4061" actId="478"/>
+          <ac:graphicFrameMkLst>
+            <pc:docMk/>
+            <pc:sldMk cId="2261321307" sldId="374"/>
+            <ac:graphicFrameMk id="4" creationId="{2A7EBCBD-DF0E-42C0-8CA5-06B6C7429FB5}"/>
+          </ac:graphicFrameMkLst>
+        </pc:graphicFrameChg>
+        <pc:graphicFrameChg chg="add del mod modGraphic">
+          <ac:chgData name="SHUBHAM KUMAR GUPTA" userId="8e7f5f55-d4f1-45ea-be2d-21c950950cb2" providerId="ADAL" clId="{729E73AB-F299-47CD-84ED-644CCD625069}" dt="2022-02-04T07:25:35.912" v="4058" actId="478"/>
+          <ac:graphicFrameMkLst>
+            <pc:docMk/>
+            <pc:sldMk cId="2261321307" sldId="374"/>
+            <ac:graphicFrameMk id="5" creationId="{F0477152-4A3A-4A0F-8B8D-08E3D11ED33E}"/>
+          </ac:graphicFrameMkLst>
+        </pc:graphicFrameChg>
+        <pc:graphicFrameChg chg="add mod modGraphic">
+          <ac:chgData name="SHUBHAM KUMAR GUPTA" userId="8e7f5f55-d4f1-45ea-be2d-21c950950cb2" providerId="ADAL" clId="{729E73AB-F299-47CD-84ED-644CCD625069}" dt="2022-02-04T09:39:27.677" v="4206" actId="339"/>
+          <ac:graphicFrameMkLst>
+            <pc:docMk/>
+            <pc:sldMk cId="2261321307" sldId="374"/>
+            <ac:graphicFrameMk id="6" creationId="{B2D50821-D3B9-4F2F-929D-164D9ADCF03A}"/>
+          </ac:graphicFrameMkLst>
+        </pc:graphicFrameChg>
+        <pc:picChg chg="mod">
+          <ac:chgData name="SHUBHAM KUMAR GUPTA" userId="8e7f5f55-d4f1-45ea-be2d-21c950950cb2" providerId="ADAL" clId="{729E73AB-F299-47CD-84ED-644CCD625069}" dt="2022-02-04T07:23:57.912" v="3881" actId="1038"/>
+          <ac:picMkLst>
+            <pc:docMk/>
+            <pc:sldMk cId="2261321307" sldId="374"/>
+            <ac:picMk id="2052" creationId="{2E2A5450-7988-49E2-9A29-5FF74D2830D0}"/>
+          </ac:picMkLst>
+        </pc:picChg>
+      </pc:sldChg>
+      <pc:sldChg chg="add del">
+        <pc:chgData name="SHUBHAM KUMAR GUPTA" userId="8e7f5f55-d4f1-45ea-be2d-21c950950cb2" providerId="ADAL" clId="{729E73AB-F299-47CD-84ED-644CCD625069}" dt="2022-02-04T07:23:24.092" v="3695" actId="47"/>
+        <pc:sldMkLst>
+          <pc:docMk/>
+          <pc:sldMk cId="4205458466" sldId="374"/>
+        </pc:sldMkLst>
       </pc:sldChg>
     </pc:docChg>
   </pc:docChgLst>
@@ -3820,202 +3923,6 @@
         </a:p>
       </dgm:t>
     </dgm:pt>
-    <dgm:pt modelId="{31E667C3-3D6B-48B3-9AC9-F83637CB838D}">
-      <dgm:prSet phldrT="[Text]"/>
-      <dgm:spPr/>
-      <dgm:t>
-        <a:bodyPr/>
-        <a:lstStyle/>
-        <a:p>
-          <a:r>
-            <a:rPr lang="en-US" dirty="0"/>
-            <a:t>Results After 25</a:t>
-          </a:r>
-          <a:r>
-            <a:rPr lang="en-US" baseline="30000" dirty="0"/>
-            <a:t>th</a:t>
-          </a:r>
-          <a:r>
-            <a:rPr lang="en-US" dirty="0"/>
-            <a:t>  March 2022 (1 Lead)</a:t>
-          </a:r>
-        </a:p>
-      </dgm:t>
-    </dgm:pt>
-    <dgm:pt modelId="{4F84B65C-885C-4803-85C4-BEA1BD4A0ED3}" type="parTrans" cxnId="{316F3AF9-8D7B-47CF-AA57-83BF7F1EBD5B}">
-      <dgm:prSet/>
-      <dgm:spPr/>
-      <dgm:t>
-        <a:bodyPr/>
-        <a:lstStyle/>
-        <a:p>
-          <a:endParaRPr lang="en-US"/>
-        </a:p>
-      </dgm:t>
-    </dgm:pt>
-    <dgm:pt modelId="{5F5E968D-3AB4-4A43-B18A-6CE520D3E043}" type="sibTrans" cxnId="{316F3AF9-8D7B-47CF-AA57-83BF7F1EBD5B}">
-      <dgm:prSet/>
-      <dgm:spPr/>
-      <dgm:t>
-        <a:bodyPr/>
-        <a:lstStyle/>
-        <a:p>
-          <a:endParaRPr lang="en-US"/>
-        </a:p>
-      </dgm:t>
-    </dgm:pt>
-    <dgm:pt modelId="{0F381D26-EB48-4BA2-8589-EDF43AA9DA66}">
-      <dgm:prSet phldrT="[Text]"/>
-      <dgm:spPr/>
-      <dgm:t>
-        <a:bodyPr/>
-        <a:lstStyle/>
-        <a:p>
-          <a:r>
-            <a:rPr lang="en-US" dirty="0"/>
-            <a:t>Expected Results After 5</a:t>
-          </a:r>
-          <a:r>
-            <a:rPr lang="en-US" baseline="30000" dirty="0"/>
-            <a:t>th</a:t>
-          </a:r>
-          <a:r>
-            <a:rPr lang="en-US" dirty="0"/>
-            <a:t>  April 2022 (12 Lead)</a:t>
-          </a:r>
-        </a:p>
-      </dgm:t>
-    </dgm:pt>
-    <dgm:pt modelId="{0F7224FD-3D5D-4E0C-89B7-3FAFCF6AC279}" type="parTrans" cxnId="{68AEBDB0-C3CA-44C6-8B68-14C4806AAAEC}">
-      <dgm:prSet/>
-      <dgm:spPr/>
-      <dgm:t>
-        <a:bodyPr/>
-        <a:lstStyle/>
-        <a:p>
-          <a:endParaRPr lang="en-US"/>
-        </a:p>
-      </dgm:t>
-    </dgm:pt>
-    <dgm:pt modelId="{4F769CF4-BAC4-4B0C-974D-CC8E44299123}" type="sibTrans" cxnId="{68AEBDB0-C3CA-44C6-8B68-14C4806AAAEC}">
-      <dgm:prSet/>
-      <dgm:spPr/>
-      <dgm:t>
-        <a:bodyPr/>
-        <a:lstStyle/>
-        <a:p>
-          <a:endParaRPr lang="en-US"/>
-        </a:p>
-      </dgm:t>
-    </dgm:pt>
-    <dgm:pt modelId="{9E6EC8BF-8FE5-42F0-92D3-6217745BCA93}">
-      <dgm:prSet phldrT="[Text]"/>
-      <dgm:spPr/>
-      <dgm:t>
-        <a:bodyPr/>
-        <a:lstStyle/>
-        <a:p>
-          <a:r>
-            <a:rPr lang="en-US" dirty="0"/>
-            <a:t>Hardware Modification</a:t>
-          </a:r>
-        </a:p>
-      </dgm:t>
-    </dgm:pt>
-    <dgm:pt modelId="{2509E3CD-D1DF-42BF-9816-B3CF7F75ADDD}" type="parTrans" cxnId="{35696199-A2A8-423C-BCA4-FF48ED28B3CD}">
-      <dgm:prSet/>
-      <dgm:spPr/>
-      <dgm:t>
-        <a:bodyPr/>
-        <a:lstStyle/>
-        <a:p>
-          <a:endParaRPr lang="en-US"/>
-        </a:p>
-      </dgm:t>
-    </dgm:pt>
-    <dgm:pt modelId="{ABE3D86A-2276-4716-AE7F-2394BFC91DDD}" type="sibTrans" cxnId="{35696199-A2A8-423C-BCA4-FF48ED28B3CD}">
-      <dgm:prSet/>
-      <dgm:spPr/>
-      <dgm:t>
-        <a:bodyPr/>
-        <a:lstStyle/>
-        <a:p>
-          <a:endParaRPr lang="en-US"/>
-        </a:p>
-      </dgm:t>
-    </dgm:pt>
-    <dgm:pt modelId="{ADB16E5F-DC18-4461-B37A-A3813C94366E}">
-      <dgm:prSet phldrT="[Text]"/>
-      <dgm:spPr/>
-      <dgm:t>
-        <a:bodyPr/>
-        <a:lstStyle/>
-        <a:p>
-          <a:r>
-            <a:rPr lang="en-US" dirty="0"/>
-            <a:t>Improvements in Software</a:t>
-          </a:r>
-        </a:p>
-      </dgm:t>
-    </dgm:pt>
-    <dgm:pt modelId="{D5997322-EB62-4F1E-8CD8-A60D42B388B8}" type="sibTrans" cxnId="{095108AA-18D3-4065-B827-FE63AC408427}">
-      <dgm:prSet/>
-      <dgm:spPr/>
-      <dgm:t>
-        <a:bodyPr/>
-        <a:lstStyle/>
-        <a:p>
-          <a:endParaRPr lang="en-US"/>
-        </a:p>
-      </dgm:t>
-    </dgm:pt>
-    <dgm:pt modelId="{38C29408-8935-49B2-A265-62E38000C85F}" type="parTrans" cxnId="{095108AA-18D3-4065-B827-FE63AC408427}">
-      <dgm:prSet/>
-      <dgm:spPr/>
-      <dgm:t>
-        <a:bodyPr/>
-        <a:lstStyle/>
-        <a:p>
-          <a:endParaRPr lang="en-US"/>
-        </a:p>
-      </dgm:t>
-    </dgm:pt>
-    <dgm:pt modelId="{F3666044-12BC-45AA-8255-0DC9B09184B1}">
-      <dgm:prSet phldrT="[Text]"/>
-      <dgm:spPr/>
-      <dgm:t>
-        <a:bodyPr/>
-        <a:lstStyle/>
-        <a:p>
-          <a:r>
-            <a:rPr lang="en-US" dirty="0"/>
-            <a:t>ML output live analysis</a:t>
-          </a:r>
-        </a:p>
-      </dgm:t>
-    </dgm:pt>
-    <dgm:pt modelId="{7DC7BE78-0B19-446B-B9E7-05699A8AE170}" type="parTrans" cxnId="{79C58D35-8F5A-46B1-BC94-9B6C8A8A8B06}">
-      <dgm:prSet/>
-      <dgm:spPr/>
-      <dgm:t>
-        <a:bodyPr/>
-        <a:lstStyle/>
-        <a:p>
-          <a:endParaRPr lang="en-US"/>
-        </a:p>
-      </dgm:t>
-    </dgm:pt>
-    <dgm:pt modelId="{DBAA7100-5F5E-4D01-8763-C8BEFBF7DB90}" type="sibTrans" cxnId="{79C58D35-8F5A-46B1-BC94-9B6C8A8A8B06}">
-      <dgm:prSet/>
-      <dgm:spPr/>
-      <dgm:t>
-        <a:bodyPr/>
-        <a:lstStyle/>
-        <a:p>
-          <a:endParaRPr lang="en-US"/>
-        </a:p>
-      </dgm:t>
-    </dgm:pt>
     <dgm:pt modelId="{31B03789-ACCB-4D44-985A-E68FC8438D8D}">
       <dgm:prSet phldrT="[Text]"/>
       <dgm:spPr/>
@@ -4052,25 +3959,29 @@
         </a:p>
       </dgm:t>
     </dgm:pt>
-    <dgm:pt modelId="{4D69A697-C1E8-459D-981C-C519FCAA3CAD}">
+    <dgm:pt modelId="{31E667C3-3D6B-48B3-9AC9-F83637CB838D}">
       <dgm:prSet phldrT="[Text]"/>
       <dgm:spPr/>
       <dgm:t>
         <a:bodyPr/>
         <a:lstStyle/>
         <a:p>
-          <a:pPr>
-            <a:buFont typeface="+mj-lt"/>
-            <a:buAutoNum type="arabicPeriod"/>
-          </a:pPr>
           <a:r>
             <a:rPr lang="en-US" dirty="0"/>
-            <a:t>Local Server/GCP API Creation</a:t>
+            <a:t>Results After 25</a:t>
+          </a:r>
+          <a:r>
+            <a:rPr lang="en-US" baseline="30000" dirty="0"/>
+            <a:t>th</a:t>
+          </a:r>
+          <a:r>
+            <a:rPr lang="en-US" dirty="0"/>
+            <a:t>  March 2022 (1 Lead)</a:t>
           </a:r>
         </a:p>
       </dgm:t>
     </dgm:pt>
-    <dgm:pt modelId="{F33D78A6-5EE5-4D09-9E9F-8D7CBE7A8E37}" type="parTrans" cxnId="{E632CFAC-CC48-4321-A433-7125FC85A4CE}">
+    <dgm:pt modelId="{5F5E968D-3AB4-4A43-B18A-6CE520D3E043}" type="sibTrans" cxnId="{316F3AF9-8D7B-47CF-AA57-83BF7F1EBD5B}">
       <dgm:prSet/>
       <dgm:spPr/>
       <dgm:t>
@@ -4081,7 +3992,7 @@
         </a:p>
       </dgm:t>
     </dgm:pt>
-    <dgm:pt modelId="{6319B614-BB06-43B6-A436-F4B170626414}" type="sibTrans" cxnId="{E632CFAC-CC48-4321-A433-7125FC85A4CE}">
+    <dgm:pt modelId="{4F84B65C-885C-4803-85C4-BEA1BD4A0ED3}" type="parTrans" cxnId="{316F3AF9-8D7B-47CF-AA57-83BF7F1EBD5B}">
       <dgm:prSet/>
       <dgm:spPr/>
       <dgm:t>
@@ -4128,29 +4039,25 @@
         </a:p>
       </dgm:t>
     </dgm:pt>
-    <dgm:pt modelId="{26BEE536-CBD6-4F01-B7CD-43154926BE40}">
+    <dgm:pt modelId="{4D69A697-C1E8-459D-981C-C519FCAA3CAD}">
       <dgm:prSet phldrT="[Text]"/>
       <dgm:spPr/>
       <dgm:t>
         <a:bodyPr/>
         <a:lstStyle/>
         <a:p>
+          <a:pPr>
+            <a:buFont typeface="+mj-lt"/>
+            <a:buAutoNum type="arabicPeriod"/>
+          </a:pPr>
           <a:r>
             <a:rPr lang="en-US" dirty="0"/>
-            <a:t>Expected Result On 10</a:t>
-          </a:r>
-          <a:r>
-            <a:rPr lang="en-US" baseline="30000" dirty="0"/>
-            <a:t>th</a:t>
-          </a:r>
-          <a:r>
-            <a:rPr lang="en-US" dirty="0"/>
-            <a:t> April</a:t>
+            <a:t>Local Server/GCP API Creation</a:t>
           </a:r>
         </a:p>
       </dgm:t>
     </dgm:pt>
-    <dgm:pt modelId="{64F7BF46-78D9-47DE-A11A-7A08D5391D1D}" type="parTrans" cxnId="{A69A6539-AC70-4A4E-954E-0AC0BBB9E700}">
+    <dgm:pt modelId="{6319B614-BB06-43B6-A436-F4B170626414}" type="sibTrans" cxnId="{E632CFAC-CC48-4321-A433-7125FC85A4CE}">
       <dgm:prSet/>
       <dgm:spPr/>
       <dgm:t>
@@ -4161,7 +4068,7 @@
         </a:p>
       </dgm:t>
     </dgm:pt>
-    <dgm:pt modelId="{C8D2B136-3C93-4723-8918-24A5BAF40E9A}" type="sibTrans" cxnId="{A69A6539-AC70-4A4E-954E-0AC0BBB9E700}">
+    <dgm:pt modelId="{F33D78A6-5EE5-4D09-9E9F-8D7CBE7A8E37}" type="parTrans" cxnId="{E632CFAC-CC48-4321-A433-7125FC85A4CE}">
       <dgm:prSet/>
       <dgm:spPr/>
       <dgm:t>
@@ -4172,7 +4079,7 @@
         </a:p>
       </dgm:t>
     </dgm:pt>
-    <dgm:pt modelId="{70BD66C4-8257-4121-8E02-EA363B5CC7E8}">
+    <dgm:pt modelId="{F3666044-12BC-45AA-8255-0DC9B09184B1}">
       <dgm:prSet phldrT="[Text]"/>
       <dgm:spPr/>
       <dgm:t>
@@ -4181,12 +4088,12 @@
         <a:p>
           <a:r>
             <a:rPr lang="en-US" dirty="0"/>
-            <a:t>A PRODUCT</a:t>
+            <a:t>ML output live analysis</a:t>
           </a:r>
         </a:p>
       </dgm:t>
     </dgm:pt>
-    <dgm:pt modelId="{3F375597-4D94-452B-A684-3D1C5D5E9253}" type="parTrans" cxnId="{291B227E-7ADF-423E-AEF4-F3F7E6E47286}">
+    <dgm:pt modelId="{DBAA7100-5F5E-4D01-8763-C8BEFBF7DB90}" type="sibTrans" cxnId="{79C58D35-8F5A-46B1-BC94-9B6C8A8A8B06}">
       <dgm:prSet/>
       <dgm:spPr/>
       <dgm:t>
@@ -4197,7 +4104,7 @@
         </a:p>
       </dgm:t>
     </dgm:pt>
-    <dgm:pt modelId="{6780654F-0A3B-4D52-9427-855D893545E3}" type="sibTrans" cxnId="{291B227E-7ADF-423E-AEF4-F3F7E6E47286}">
+    <dgm:pt modelId="{7DC7BE78-0B19-446B-B9E7-05699A8AE170}" type="parTrans" cxnId="{79C58D35-8F5A-46B1-BC94-9B6C8A8A8B06}">
       <dgm:prSet/>
       <dgm:spPr/>
       <dgm:t>
@@ -4218,104 +4125,40 @@
       </dgm:prSet>
       <dgm:spPr/>
     </dgm:pt>
-    <dgm:pt modelId="{10463E9E-395E-4EC9-ABC7-7D29A07E0069}" type="pres">
-      <dgm:prSet presAssocID="{26BEE536-CBD6-4F01-B7CD-43154926BE40}" presName="boxAndChildren" presStyleCnt="0"/>
+    <dgm:pt modelId="{2853F11D-39DA-46F1-BB72-AAC720D80AF6}" type="pres">
+      <dgm:prSet presAssocID="{31E667C3-3D6B-48B3-9AC9-F83637CB838D}" presName="boxAndChildren" presStyleCnt="0"/>
       <dgm:spPr/>
     </dgm:pt>
-    <dgm:pt modelId="{9466A723-F51A-408B-B0AE-64E123F3FF39}" type="pres">
-      <dgm:prSet presAssocID="{26BEE536-CBD6-4F01-B7CD-43154926BE40}" presName="parentTextBox" presStyleLbl="node1" presStyleIdx="0" presStyleCnt="5"/>
+    <dgm:pt modelId="{2E5B8AEB-A917-4AEF-8B2C-C924DD0A402C}" type="pres">
+      <dgm:prSet presAssocID="{31E667C3-3D6B-48B3-9AC9-F83637CB838D}" presName="parentTextBox" presStyleLbl="node1" presStyleIdx="0" presStyleCnt="3"/>
       <dgm:spPr/>
     </dgm:pt>
-    <dgm:pt modelId="{6A8BAB25-D34D-493F-92D4-9750960926DC}" type="pres">
-      <dgm:prSet presAssocID="{26BEE536-CBD6-4F01-B7CD-43154926BE40}" presName="entireBox" presStyleLbl="node1" presStyleIdx="0" presStyleCnt="5"/>
+    <dgm:pt modelId="{B7428969-A353-4AD6-B65E-3AC69AB0D5F4}" type="pres">
+      <dgm:prSet presAssocID="{31E667C3-3D6B-48B3-9AC9-F83637CB838D}" presName="entireBox" presStyleLbl="node1" presStyleIdx="0" presStyleCnt="3"/>
       <dgm:spPr/>
     </dgm:pt>
-    <dgm:pt modelId="{E4884203-AE07-4EE1-AC88-D048B41919A1}" type="pres">
-      <dgm:prSet presAssocID="{26BEE536-CBD6-4F01-B7CD-43154926BE40}" presName="descendantBox" presStyleCnt="0"/>
+    <dgm:pt modelId="{A8B7E399-C7E5-4722-90B6-F2DBB157F210}" type="pres">
+      <dgm:prSet presAssocID="{31E667C3-3D6B-48B3-9AC9-F83637CB838D}" presName="descendantBox" presStyleCnt="0"/>
       <dgm:spPr/>
     </dgm:pt>
-    <dgm:pt modelId="{0DF85CD2-6CF9-47AC-A34C-770CF5369BD0}" type="pres">
-      <dgm:prSet presAssocID="{70BD66C4-8257-4121-8E02-EA363B5CC7E8}" presName="childTextBox" presStyleLbl="fgAccFollowNode1" presStyleIdx="0" presStyleCnt="11">
+    <dgm:pt modelId="{0544DE2F-B688-463C-900B-D2364B447E20}" type="pres">
+      <dgm:prSet presAssocID="{84FA2CE6-8B37-4624-9ADA-646CE55B0E2B}" presName="childTextBox" presStyleLbl="fgAccFollowNode1" presStyleIdx="0" presStyleCnt="8">
         <dgm:presLayoutVars>
           <dgm:bulletEnabled val="1"/>
         </dgm:presLayoutVars>
       </dgm:prSet>
       <dgm:spPr/>
     </dgm:pt>
-    <dgm:pt modelId="{CF17DDDA-1AD1-4F3F-919D-D2A0AC7FE059}" type="pres">
-      <dgm:prSet presAssocID="{4F769CF4-BAC4-4B0C-974D-CC8E44299123}" presName="sp" presStyleCnt="0"/>
-      <dgm:spPr/>
-    </dgm:pt>
-    <dgm:pt modelId="{938AF874-1FE6-4B4D-B7BF-A48F80CC278C}" type="pres">
-      <dgm:prSet presAssocID="{0F381D26-EB48-4BA2-8589-EDF43AA9DA66}" presName="arrowAndChildren" presStyleCnt="0"/>
-      <dgm:spPr/>
-    </dgm:pt>
-    <dgm:pt modelId="{685ED090-CEC5-48F0-886A-6374D386561F}" type="pres">
-      <dgm:prSet presAssocID="{0F381D26-EB48-4BA2-8589-EDF43AA9DA66}" presName="parentTextArrow" presStyleLbl="node1" presStyleIdx="0" presStyleCnt="5"/>
-      <dgm:spPr/>
-    </dgm:pt>
-    <dgm:pt modelId="{355570FB-E612-4845-B42E-2F8E23532118}" type="pres">
-      <dgm:prSet presAssocID="{0F381D26-EB48-4BA2-8589-EDF43AA9DA66}" presName="arrow" presStyleLbl="node1" presStyleIdx="1" presStyleCnt="5"/>
-      <dgm:spPr/>
-    </dgm:pt>
-    <dgm:pt modelId="{2D77546D-E050-496F-A720-85C74D0F09AE}" type="pres">
-      <dgm:prSet presAssocID="{0F381D26-EB48-4BA2-8589-EDF43AA9DA66}" presName="descendantArrow" presStyleCnt="0"/>
-      <dgm:spPr/>
-    </dgm:pt>
-    <dgm:pt modelId="{0A5DCFC2-B97D-41C8-99DD-6FF1868DC123}" type="pres">
-      <dgm:prSet presAssocID="{9E6EC8BF-8FE5-42F0-92D3-6217745BCA93}" presName="childTextArrow" presStyleLbl="fgAccFollowNode1" presStyleIdx="1" presStyleCnt="11">
+    <dgm:pt modelId="{461315CA-CA46-4315-9DFF-4942E607017D}" type="pres">
+      <dgm:prSet presAssocID="{4D69A697-C1E8-459D-981C-C519FCAA3CAD}" presName="childTextBox" presStyleLbl="fgAccFollowNode1" presStyleIdx="1" presStyleCnt="8">
         <dgm:presLayoutVars>
           <dgm:bulletEnabled val="1"/>
         </dgm:presLayoutVars>
       </dgm:prSet>
       <dgm:spPr/>
     </dgm:pt>
-    <dgm:pt modelId="{CAF857BD-3F25-4424-B528-83E0E512C4B8}" type="pres">
-      <dgm:prSet presAssocID="{ADB16E5F-DC18-4461-B37A-A3813C94366E}" presName="childTextArrow" presStyleLbl="fgAccFollowNode1" presStyleIdx="2" presStyleCnt="11">
-        <dgm:presLayoutVars>
-          <dgm:bulletEnabled val="1"/>
-        </dgm:presLayoutVars>
-      </dgm:prSet>
-      <dgm:spPr/>
-    </dgm:pt>
-    <dgm:pt modelId="{B10D3634-2B7F-4C82-BB89-0D1F7E2701B8}" type="pres">
-      <dgm:prSet presAssocID="{5F5E968D-3AB4-4A43-B18A-6CE520D3E043}" presName="sp" presStyleCnt="0"/>
-      <dgm:spPr/>
-    </dgm:pt>
-    <dgm:pt modelId="{2D9A29F8-DDBC-4030-83C0-6F146E6D3FAC}" type="pres">
-      <dgm:prSet presAssocID="{31E667C3-3D6B-48B3-9AC9-F83637CB838D}" presName="arrowAndChildren" presStyleCnt="0"/>
-      <dgm:spPr/>
-    </dgm:pt>
-    <dgm:pt modelId="{CAF87DBF-E001-4678-841B-9855CC530890}" type="pres">
-      <dgm:prSet presAssocID="{31E667C3-3D6B-48B3-9AC9-F83637CB838D}" presName="parentTextArrow" presStyleLbl="node1" presStyleIdx="1" presStyleCnt="5"/>
-      <dgm:spPr/>
-    </dgm:pt>
-    <dgm:pt modelId="{2448C78B-1E57-4A58-BB7D-F78DB646938B}" type="pres">
-      <dgm:prSet presAssocID="{31E667C3-3D6B-48B3-9AC9-F83637CB838D}" presName="arrow" presStyleLbl="node1" presStyleIdx="2" presStyleCnt="5"/>
-      <dgm:spPr/>
-    </dgm:pt>
-    <dgm:pt modelId="{B1C945AB-9E31-4604-AD9B-51D4994AA4CB}" type="pres">
-      <dgm:prSet presAssocID="{31E667C3-3D6B-48B3-9AC9-F83637CB838D}" presName="descendantArrow" presStyleCnt="0"/>
-      <dgm:spPr/>
-    </dgm:pt>
-    <dgm:pt modelId="{3B1A510C-A7D5-48FE-8C6D-F8FAC1A7D3DB}" type="pres">
-      <dgm:prSet presAssocID="{84FA2CE6-8B37-4624-9ADA-646CE55B0E2B}" presName="childTextArrow" presStyleLbl="fgAccFollowNode1" presStyleIdx="3" presStyleCnt="11">
-        <dgm:presLayoutVars>
-          <dgm:bulletEnabled val="1"/>
-        </dgm:presLayoutVars>
-      </dgm:prSet>
-      <dgm:spPr/>
-    </dgm:pt>
-    <dgm:pt modelId="{D964B2E6-0029-4495-AA74-39C58C55A094}" type="pres">
-      <dgm:prSet presAssocID="{4D69A697-C1E8-459D-981C-C519FCAA3CAD}" presName="childTextArrow" presStyleLbl="fgAccFollowNode1" presStyleIdx="4" presStyleCnt="11">
-        <dgm:presLayoutVars>
-          <dgm:bulletEnabled val="1"/>
-        </dgm:presLayoutVars>
-      </dgm:prSet>
-      <dgm:spPr/>
-    </dgm:pt>
-    <dgm:pt modelId="{5D002B26-0BAF-4D12-B506-62EDC36F3C3F}" type="pres">
-      <dgm:prSet presAssocID="{F3666044-12BC-45AA-8255-0DC9B09184B1}" presName="childTextArrow" presStyleLbl="fgAccFollowNode1" presStyleIdx="5" presStyleCnt="11">
+    <dgm:pt modelId="{2BD09F5A-C071-464B-9BEF-6FB46E24F66B}" type="pres">
+      <dgm:prSet presAssocID="{F3666044-12BC-45AA-8255-0DC9B09184B1}" presName="childTextBox" presStyleLbl="fgAccFollowNode1" presStyleIdx="2" presStyleCnt="8">
         <dgm:presLayoutVars>
           <dgm:bulletEnabled val="1"/>
         </dgm:presLayoutVars>
@@ -4331,11 +4174,11 @@
       <dgm:spPr/>
     </dgm:pt>
     <dgm:pt modelId="{F962ABC7-B55E-44BA-B0E4-0CE69D72E1F5}" type="pres">
-      <dgm:prSet presAssocID="{DB6AA457-F75F-415D-BDD5-92045774FE4B}" presName="parentTextArrow" presStyleLbl="node1" presStyleIdx="2" presStyleCnt="5"/>
+      <dgm:prSet presAssocID="{DB6AA457-F75F-415D-BDD5-92045774FE4B}" presName="parentTextArrow" presStyleLbl="node1" presStyleIdx="0" presStyleCnt="3"/>
       <dgm:spPr/>
     </dgm:pt>
     <dgm:pt modelId="{C2BDE5F3-CD07-4F2A-8E1A-7C891D9233B8}" type="pres">
-      <dgm:prSet presAssocID="{DB6AA457-F75F-415D-BDD5-92045774FE4B}" presName="arrow" presStyleLbl="node1" presStyleIdx="3" presStyleCnt="5"/>
+      <dgm:prSet presAssocID="{DB6AA457-F75F-415D-BDD5-92045774FE4B}" presName="arrow" presStyleLbl="node1" presStyleIdx="1" presStyleCnt="3"/>
       <dgm:spPr/>
     </dgm:pt>
     <dgm:pt modelId="{246F1D0E-4653-492E-859E-CBEFCB4EE4ED}" type="pres">
@@ -4343,7 +4186,7 @@
       <dgm:spPr/>
     </dgm:pt>
     <dgm:pt modelId="{C8CE4F00-3FBA-4F31-827C-B25B2583799F}" type="pres">
-      <dgm:prSet presAssocID="{3BAF23C2-541D-40EE-A1B0-9E8ACE8EF003}" presName="childTextArrow" presStyleLbl="fgAccFollowNode1" presStyleIdx="6" presStyleCnt="11">
+      <dgm:prSet presAssocID="{3BAF23C2-541D-40EE-A1B0-9E8ACE8EF003}" presName="childTextArrow" presStyleLbl="fgAccFollowNode1" presStyleIdx="3" presStyleCnt="8">
         <dgm:presLayoutVars>
           <dgm:bulletEnabled val="1"/>
         </dgm:presLayoutVars>
@@ -4359,11 +4202,11 @@
       <dgm:spPr/>
     </dgm:pt>
     <dgm:pt modelId="{859CA2CA-8A33-4975-9F01-7A3C8BB729DE}" type="pres">
-      <dgm:prSet presAssocID="{C712D637-7FF1-401C-9304-F85D1B95B226}" presName="parentTextArrow" presStyleLbl="node1" presStyleIdx="3" presStyleCnt="5"/>
+      <dgm:prSet presAssocID="{C712D637-7FF1-401C-9304-F85D1B95B226}" presName="parentTextArrow" presStyleLbl="node1" presStyleIdx="1" presStyleCnt="3"/>
       <dgm:spPr/>
     </dgm:pt>
     <dgm:pt modelId="{A48265CE-F3A3-46DB-9DD2-97590B4DBB84}" type="pres">
-      <dgm:prSet presAssocID="{C712D637-7FF1-401C-9304-F85D1B95B226}" presName="arrow" presStyleLbl="node1" presStyleIdx="4" presStyleCnt="5"/>
+      <dgm:prSet presAssocID="{C712D637-7FF1-401C-9304-F85D1B95B226}" presName="arrow" presStyleLbl="node1" presStyleIdx="2" presStyleCnt="3"/>
       <dgm:spPr/>
     </dgm:pt>
     <dgm:pt modelId="{DB89CC08-BF2F-4B2E-B88D-22F7BE6ECA5F}" type="pres">
@@ -4371,7 +4214,7 @@
       <dgm:spPr/>
     </dgm:pt>
     <dgm:pt modelId="{59FFE57C-E5F2-4FBD-AA4D-8DB27381892F}" type="pres">
-      <dgm:prSet presAssocID="{743FE7B1-011B-42E6-8768-1EB3E95741FA}" presName="childTextArrow" presStyleLbl="fgAccFollowNode1" presStyleIdx="7" presStyleCnt="11">
+      <dgm:prSet presAssocID="{743FE7B1-011B-42E6-8768-1EB3E95741FA}" presName="childTextArrow" presStyleLbl="fgAccFollowNode1" presStyleIdx="4" presStyleCnt="8">
         <dgm:presLayoutVars>
           <dgm:bulletEnabled val="1"/>
         </dgm:presLayoutVars>
@@ -4379,7 +4222,7 @@
       <dgm:spPr/>
     </dgm:pt>
     <dgm:pt modelId="{0CC74B02-F9A8-40D9-BF66-071EFBDC8A5D}" type="pres">
-      <dgm:prSet presAssocID="{20F0C682-EB88-473B-9192-030AF772A548}" presName="childTextArrow" presStyleLbl="fgAccFollowNode1" presStyleIdx="8" presStyleCnt="11">
+      <dgm:prSet presAssocID="{20F0C682-EB88-473B-9192-030AF772A548}" presName="childTextArrow" presStyleLbl="fgAccFollowNode1" presStyleIdx="5" presStyleCnt="8">
         <dgm:presLayoutVars>
           <dgm:bulletEnabled val="1"/>
         </dgm:presLayoutVars>
@@ -4387,7 +4230,7 @@
       <dgm:spPr/>
     </dgm:pt>
     <dgm:pt modelId="{A9D7D640-316B-4E61-8DC9-4064B0EE9557}" type="pres">
-      <dgm:prSet presAssocID="{31B03789-ACCB-4D44-985A-E68FC8438D8D}" presName="childTextArrow" presStyleLbl="fgAccFollowNode1" presStyleIdx="9" presStyleCnt="11">
+      <dgm:prSet presAssocID="{31B03789-ACCB-4D44-985A-E68FC8438D8D}" presName="childTextArrow" presStyleLbl="fgAccFollowNode1" presStyleIdx="6" presStyleCnt="8">
         <dgm:presLayoutVars>
           <dgm:bulletEnabled val="1"/>
         </dgm:presLayoutVars>
@@ -4395,7 +4238,7 @@
       <dgm:spPr/>
     </dgm:pt>
     <dgm:pt modelId="{02AED74B-F4B0-4D1E-93D6-31DABD502BE2}" type="pres">
-      <dgm:prSet presAssocID="{8FCA5AEB-F90B-4E25-B7AE-91BB17A76304}" presName="childTextArrow" presStyleLbl="fgAccFollowNode1" presStyleIdx="10" presStyleCnt="11">
+      <dgm:prSet presAssocID="{8FCA5AEB-F90B-4E25-B7AE-91BB17A76304}" presName="childTextArrow" presStyleLbl="fgAccFollowNode1" presStyleIdx="7" presStyleCnt="8">
         <dgm:presLayoutVars>
           <dgm:bulletEnabled val="1"/>
         </dgm:presLayoutVars>
@@ -4405,71 +4248,46 @@
   </dgm:ptLst>
   <dgm:cxnLst>
     <dgm:cxn modelId="{05EE1D06-36CC-4942-B9BA-306AB0482DE7}" srcId="{C712D637-7FF1-401C-9304-F85D1B95B226}" destId="{20F0C682-EB88-473B-9192-030AF772A548}" srcOrd="1" destOrd="0" parTransId="{F301AB0D-9CAE-4A04-A4C2-FBCC1259FB98}" sibTransId="{F9224467-D1DE-4587-A970-FA9FB9EC3B20}"/>
-    <dgm:cxn modelId="{DBBA1F07-9CDF-448B-AF93-9DAC47F4236F}" type="presOf" srcId="{31E667C3-3D6B-48B3-9AC9-F83637CB838D}" destId="{2448C78B-1E57-4A58-BB7D-F78DB646938B}" srcOrd="1" destOrd="0" presId="urn:microsoft.com/office/officeart/2005/8/layout/process4"/>
     <dgm:cxn modelId="{758A5609-E36A-46E2-B7BC-9BB44C4E29A7}" type="presOf" srcId="{20F0C682-EB88-473B-9192-030AF772A548}" destId="{0CC74B02-F9A8-40D9-BF66-071EFBDC8A5D}" srcOrd="0" destOrd="0" presId="urn:microsoft.com/office/officeart/2005/8/layout/process4"/>
     <dgm:cxn modelId="{F763850C-56E4-4BBC-B4E5-067956651657}" srcId="{31E667C3-3D6B-48B3-9AC9-F83637CB838D}" destId="{84FA2CE6-8B37-4624-9ADA-646CE55B0E2B}" srcOrd="0" destOrd="0" parTransId="{857C795A-39F0-474E-92D4-DBCEAF59D6EE}" sibTransId="{8CF4078C-37C2-49E0-9B57-240579F4DD28}"/>
-    <dgm:cxn modelId="{6F702B0D-F9C3-4529-84B0-CDA985BA2141}" type="presOf" srcId="{9E6EC8BF-8FE5-42F0-92D3-6217745BCA93}" destId="{0A5DCFC2-B97D-41C8-99DD-6FF1868DC123}" srcOrd="0" destOrd="0" presId="urn:microsoft.com/office/officeart/2005/8/layout/process4"/>
-    <dgm:cxn modelId="{6C807E0E-2BED-4C8C-92A5-CE6B282D84CE}" type="presOf" srcId="{0F381D26-EB48-4BA2-8589-EDF43AA9DA66}" destId="{355570FB-E612-4845-B42E-2F8E23532118}" srcOrd="1" destOrd="0" presId="urn:microsoft.com/office/officeart/2005/8/layout/process4"/>
     <dgm:cxn modelId="{1D511413-BA69-4C30-A06E-819D3DD30080}" type="presOf" srcId="{743FE7B1-011B-42E6-8768-1EB3E95741FA}" destId="{59FFE57C-E5F2-4FBD-AA4D-8DB27381892F}" srcOrd="0" destOrd="0" presId="urn:microsoft.com/office/officeart/2005/8/layout/process4"/>
+    <dgm:cxn modelId="{A8EC3329-65AE-40D4-BAC1-FB0A0D473E7F}" type="presOf" srcId="{F3666044-12BC-45AA-8255-0DC9B09184B1}" destId="{2BD09F5A-C071-464B-9BEF-6FB46E24F66B}" srcOrd="0" destOrd="0" presId="urn:microsoft.com/office/officeart/2005/8/layout/process4"/>
     <dgm:cxn modelId="{F85E372C-D6F0-4FC6-83D7-357815D17411}" type="presOf" srcId="{8FCA5AEB-F90B-4E25-B7AE-91BB17A76304}" destId="{02AED74B-F4B0-4D1E-93D6-31DABD502BE2}" srcOrd="0" destOrd="0" presId="urn:microsoft.com/office/officeart/2005/8/layout/process4"/>
     <dgm:cxn modelId="{79C58D35-8F5A-46B1-BC94-9B6C8A8A8B06}" srcId="{31E667C3-3D6B-48B3-9AC9-F83637CB838D}" destId="{F3666044-12BC-45AA-8255-0DC9B09184B1}" srcOrd="2" destOrd="0" parTransId="{7DC7BE78-0B19-446B-B9E7-05699A8AE170}" sibTransId="{DBAA7100-5F5E-4D01-8763-C8BEFBF7DB90}"/>
-    <dgm:cxn modelId="{A69A6539-AC70-4A4E-954E-0AC0BBB9E700}" srcId="{CD5204CD-6958-4A55-82AA-4AD73B3B6A19}" destId="{26BEE536-CBD6-4F01-B7CD-43154926BE40}" srcOrd="4" destOrd="0" parTransId="{64F7BF46-78D9-47DE-A11A-7A08D5391D1D}" sibTransId="{C8D2B136-3C93-4723-8918-24A5BAF40E9A}"/>
     <dgm:cxn modelId="{89BF7E40-FDBA-49FF-84BE-28BA51706EC9}" srcId="{C712D637-7FF1-401C-9304-F85D1B95B226}" destId="{8FCA5AEB-F90B-4E25-B7AE-91BB17A76304}" srcOrd="3" destOrd="0" parTransId="{9FD6B6DF-1618-4CB1-A75C-045DE62F9AB1}" sibTransId="{7BC6A9BB-9DF3-4558-A00D-B9E54EC7098E}"/>
     <dgm:cxn modelId="{6D29C741-1B1E-4EBC-A0C7-F287A8ED285A}" srcId="{C712D637-7FF1-401C-9304-F85D1B95B226}" destId="{743FE7B1-011B-42E6-8768-1EB3E95741FA}" srcOrd="0" destOrd="0" parTransId="{921AFB12-2D70-40FB-8AB1-299E0FF2C5A6}" sibTransId="{FFAF77DD-A644-4C36-8908-6204BB0D9268}"/>
     <dgm:cxn modelId="{9653D664-EC18-40D7-9F5E-3B27A70DCA4D}" srcId="{CD5204CD-6958-4A55-82AA-4AD73B3B6A19}" destId="{C712D637-7FF1-401C-9304-F85D1B95B226}" srcOrd="0" destOrd="0" parTransId="{05E1DD5C-7FEF-48F0-9651-C74D082ACBA9}" sibTransId="{F14B97BF-E90F-4D5A-A42B-6364BCB81249}"/>
+    <dgm:cxn modelId="{2DAC8965-116E-4816-8652-D2C448CCA749}" type="presOf" srcId="{31E667C3-3D6B-48B3-9AC9-F83637CB838D}" destId="{B7428969-A353-4AD6-B65E-3AC69AB0D5F4}" srcOrd="1" destOrd="0" presId="urn:microsoft.com/office/officeart/2005/8/layout/process4"/>
     <dgm:cxn modelId="{2F493247-DD71-42E2-BA13-315F9C6D9D25}" type="presOf" srcId="{C712D637-7FF1-401C-9304-F85D1B95B226}" destId="{A48265CE-F3A3-46DB-9DD2-97590B4DBB84}" srcOrd="1" destOrd="0" presId="urn:microsoft.com/office/officeart/2005/8/layout/process4"/>
-    <dgm:cxn modelId="{5AE1786C-A8E9-4376-A252-FCD5280383D5}" type="presOf" srcId="{F3666044-12BC-45AA-8255-0DC9B09184B1}" destId="{5D002B26-0BAF-4D12-B506-62EDC36F3C3F}" srcOrd="0" destOrd="0" presId="urn:microsoft.com/office/officeart/2005/8/layout/process4"/>
     <dgm:cxn modelId="{93F76B4F-907D-4630-B1A9-C3BE3C102DFF}" srcId="{CD5204CD-6958-4A55-82AA-4AD73B3B6A19}" destId="{DB6AA457-F75F-415D-BDD5-92045774FE4B}" srcOrd="1" destOrd="0" parTransId="{195DBB62-3C1E-4BED-ADB6-6E31CA6ABD63}" sibTransId="{C684833D-85CC-4010-A138-ABC65E139C69}"/>
+    <dgm:cxn modelId="{0D89916F-3A82-40D0-8753-A5A1B0585EE0}" type="presOf" srcId="{84FA2CE6-8B37-4624-9ADA-646CE55B0E2B}" destId="{0544DE2F-B688-463C-900B-D2364B447E20}" srcOrd="0" destOrd="0" presId="urn:microsoft.com/office/officeart/2005/8/layout/process4"/>
     <dgm:cxn modelId="{D2337E71-AF28-4D9C-8499-62714E274F71}" srcId="{DB6AA457-F75F-415D-BDD5-92045774FE4B}" destId="{3BAF23C2-541D-40EE-A1B0-9E8ACE8EF003}" srcOrd="0" destOrd="0" parTransId="{7556F02E-E8CC-4004-AD5D-F4A93997DE8B}" sibTransId="{17D39064-3A36-49FD-8626-EF6589E8DB4C}"/>
-    <dgm:cxn modelId="{2BF24A56-9A5F-4A42-BD02-2C6848A74273}" type="presOf" srcId="{26BEE536-CBD6-4F01-B7CD-43154926BE40}" destId="{6A8BAB25-D34D-493F-92D4-9750960926DC}" srcOrd="1" destOrd="0" presId="urn:microsoft.com/office/officeart/2005/8/layout/process4"/>
-    <dgm:cxn modelId="{291B227E-7ADF-423E-AEF4-F3F7E6E47286}" srcId="{26BEE536-CBD6-4F01-B7CD-43154926BE40}" destId="{70BD66C4-8257-4121-8E02-EA363B5CC7E8}" srcOrd="0" destOrd="0" parTransId="{3F375597-4D94-452B-A684-3D1C5D5E9253}" sibTransId="{6780654F-0A3B-4D52-9427-855D893545E3}"/>
     <dgm:cxn modelId="{3205507E-001A-4DF0-B1E2-97BB4D4CD151}" type="presOf" srcId="{3BAF23C2-541D-40EE-A1B0-9E8ACE8EF003}" destId="{C8CE4F00-3FBA-4F31-827C-B25B2583799F}" srcOrd="0" destOrd="0" presId="urn:microsoft.com/office/officeart/2005/8/layout/process4"/>
     <dgm:cxn modelId="{8C9BD688-12E5-4F5A-8BDA-E772A4740AB3}" type="presOf" srcId="{C712D637-7FF1-401C-9304-F85D1B95B226}" destId="{859CA2CA-8A33-4975-9F01-7A3C8BB729DE}" srcOrd="0" destOrd="0" presId="urn:microsoft.com/office/officeart/2005/8/layout/process4"/>
-    <dgm:cxn modelId="{C3853A8F-DE04-4A4A-BD3C-BC170E4D7BBC}" type="presOf" srcId="{ADB16E5F-DC18-4461-B37A-A3813C94366E}" destId="{CAF857BD-3F25-4424-B528-83E0E512C4B8}" srcOrd="0" destOrd="0" presId="urn:microsoft.com/office/officeart/2005/8/layout/process4"/>
     <dgm:cxn modelId="{CEF76D92-2BC2-4C1D-9A86-9D4EE337A63A}" srcId="{C712D637-7FF1-401C-9304-F85D1B95B226}" destId="{31B03789-ACCB-4D44-985A-E68FC8438D8D}" srcOrd="2" destOrd="0" parTransId="{773B6038-4466-4475-9C9D-D9D66C3AC49C}" sibTransId="{9FA91CC2-77CA-4507-8E1B-D851B0EF60B7}"/>
-    <dgm:cxn modelId="{7715E497-2BB3-4260-B5F9-5F4B96D6C6D1}" type="presOf" srcId="{31E667C3-3D6B-48B3-9AC9-F83637CB838D}" destId="{CAF87DBF-E001-4678-841B-9855CC530890}" srcOrd="0" destOrd="0" presId="urn:microsoft.com/office/officeart/2005/8/layout/process4"/>
-    <dgm:cxn modelId="{35696199-A2A8-423C-BCA4-FF48ED28B3CD}" srcId="{0F381D26-EB48-4BA2-8589-EDF43AA9DA66}" destId="{9E6EC8BF-8FE5-42F0-92D3-6217745BCA93}" srcOrd="0" destOrd="0" parTransId="{2509E3CD-D1DF-42BF-9816-B3CF7F75ADDD}" sibTransId="{ABE3D86A-2276-4716-AE7F-2394BFC91DDD}"/>
+    <dgm:cxn modelId="{07846096-42BE-46FF-B0A1-C2C6CF0755E4}" type="presOf" srcId="{31E667C3-3D6B-48B3-9AC9-F83637CB838D}" destId="{2E5B8AEB-A917-4AEF-8B2C-C924DD0A402C}" srcOrd="0" destOrd="0" presId="urn:microsoft.com/office/officeart/2005/8/layout/process4"/>
     <dgm:cxn modelId="{C2FD21A0-6553-4F82-B6F3-40845E5DD31B}" type="presOf" srcId="{DB6AA457-F75F-415D-BDD5-92045774FE4B}" destId="{C2BDE5F3-CD07-4F2A-8E1A-7C891D9233B8}" srcOrd="1" destOrd="0" presId="urn:microsoft.com/office/officeart/2005/8/layout/process4"/>
     <dgm:cxn modelId="{FB6ECFA3-F88A-4C8B-B8DA-71A9FA9BD8F3}" type="presOf" srcId="{DB6AA457-F75F-415D-BDD5-92045774FE4B}" destId="{F962ABC7-B55E-44BA-B0E4-0CE69D72E1F5}" srcOrd="0" destOrd="0" presId="urn:microsoft.com/office/officeart/2005/8/layout/process4"/>
-    <dgm:cxn modelId="{9B4942A6-9FDA-46D7-B745-C5E9E25D0234}" type="presOf" srcId="{4D69A697-C1E8-459D-981C-C519FCAA3CAD}" destId="{D964B2E6-0029-4495-AA74-39C58C55A094}" srcOrd="0" destOrd="0" presId="urn:microsoft.com/office/officeart/2005/8/layout/process4"/>
-    <dgm:cxn modelId="{095108AA-18D3-4065-B827-FE63AC408427}" srcId="{0F381D26-EB48-4BA2-8589-EDF43AA9DA66}" destId="{ADB16E5F-DC18-4461-B37A-A3813C94366E}" srcOrd="1" destOrd="0" parTransId="{38C29408-8935-49B2-A265-62E38000C85F}" sibTransId="{D5997322-EB62-4F1E-8CD8-A60D42B388B8}"/>
-    <dgm:cxn modelId="{82316FAC-C53E-4F48-B0D2-07EA08E4DA45}" type="presOf" srcId="{0F381D26-EB48-4BA2-8589-EDF43AA9DA66}" destId="{685ED090-CEC5-48F0-886A-6374D386561F}" srcOrd="0" destOrd="0" presId="urn:microsoft.com/office/officeart/2005/8/layout/process4"/>
-    <dgm:cxn modelId="{E98786AC-04A0-438F-9726-E328C2520EDD}" type="presOf" srcId="{84FA2CE6-8B37-4624-9ADA-646CE55B0E2B}" destId="{3B1A510C-A7D5-48FE-8C6D-F8FAC1A7D3DB}" srcOrd="0" destOrd="0" presId="urn:microsoft.com/office/officeart/2005/8/layout/process4"/>
     <dgm:cxn modelId="{E632CFAC-CC48-4321-A433-7125FC85A4CE}" srcId="{31E667C3-3D6B-48B3-9AC9-F83637CB838D}" destId="{4D69A697-C1E8-459D-981C-C519FCAA3CAD}" srcOrd="1" destOrd="0" parTransId="{F33D78A6-5EE5-4D09-9E9F-8D7CBE7A8E37}" sibTransId="{6319B614-BB06-43B6-A436-F4B170626414}"/>
-    <dgm:cxn modelId="{68AEBDB0-C3CA-44C6-8B68-14C4806AAAEC}" srcId="{CD5204CD-6958-4A55-82AA-4AD73B3B6A19}" destId="{0F381D26-EB48-4BA2-8589-EDF43AA9DA66}" srcOrd="3" destOrd="0" parTransId="{0F7224FD-3D5D-4E0C-89B7-3FAFCF6AC279}" sibTransId="{4F769CF4-BAC4-4B0C-974D-CC8E44299123}"/>
     <dgm:cxn modelId="{8F9C94B8-2722-4DFB-8419-922357272B6B}" type="presOf" srcId="{CD5204CD-6958-4A55-82AA-4AD73B3B6A19}" destId="{31D3AE5D-DA06-4E2D-9D68-F5531DFE7C2B}" srcOrd="0" destOrd="0" presId="urn:microsoft.com/office/officeart/2005/8/layout/process4"/>
-    <dgm:cxn modelId="{322044DD-12E3-494A-8E91-967007C55487}" type="presOf" srcId="{70BD66C4-8257-4121-8E02-EA363B5CC7E8}" destId="{0DF85CD2-6CF9-47AC-A34C-770CF5369BD0}" srcOrd="0" destOrd="0" presId="urn:microsoft.com/office/officeart/2005/8/layout/process4"/>
+    <dgm:cxn modelId="{4290B6C2-97EB-45A7-A113-A151D632C75A}" type="presOf" srcId="{4D69A697-C1E8-459D-981C-C519FCAA3CAD}" destId="{461315CA-CA46-4315-9DFF-4942E607017D}" srcOrd="0" destOrd="0" presId="urn:microsoft.com/office/officeart/2005/8/layout/process4"/>
     <dgm:cxn modelId="{316F3AF9-8D7B-47CF-AA57-83BF7F1EBD5B}" srcId="{CD5204CD-6958-4A55-82AA-4AD73B3B6A19}" destId="{31E667C3-3D6B-48B3-9AC9-F83637CB838D}" srcOrd="2" destOrd="0" parTransId="{4F84B65C-885C-4803-85C4-BEA1BD4A0ED3}" sibTransId="{5F5E968D-3AB4-4A43-B18A-6CE520D3E043}"/>
     <dgm:cxn modelId="{E4FEF7FA-B6B1-4E55-876E-C6234E086FB2}" type="presOf" srcId="{31B03789-ACCB-4D44-985A-E68FC8438D8D}" destId="{A9D7D640-316B-4E61-8DC9-4064B0EE9557}" srcOrd="0" destOrd="0" presId="urn:microsoft.com/office/officeart/2005/8/layout/process4"/>
-    <dgm:cxn modelId="{6FC09CFE-991E-4CFB-BADC-01BB2508F175}" type="presOf" srcId="{26BEE536-CBD6-4F01-B7CD-43154926BE40}" destId="{9466A723-F51A-408B-B0AE-64E123F3FF39}" srcOrd="0" destOrd="0" presId="urn:microsoft.com/office/officeart/2005/8/layout/process4"/>
-    <dgm:cxn modelId="{91FE9B8F-75B8-48A9-A9EA-D98911574793}" type="presParOf" srcId="{31D3AE5D-DA06-4E2D-9D68-F5531DFE7C2B}" destId="{10463E9E-395E-4EC9-ABC7-7D29A07E0069}" srcOrd="0" destOrd="0" presId="urn:microsoft.com/office/officeart/2005/8/layout/process4"/>
-    <dgm:cxn modelId="{04ADAA9B-D185-4610-8696-7FA0D9551A5C}" type="presParOf" srcId="{10463E9E-395E-4EC9-ABC7-7D29A07E0069}" destId="{9466A723-F51A-408B-B0AE-64E123F3FF39}" srcOrd="0" destOrd="0" presId="urn:microsoft.com/office/officeart/2005/8/layout/process4"/>
-    <dgm:cxn modelId="{E20A6F05-7BDF-4688-83C3-4449F1EA9959}" type="presParOf" srcId="{10463E9E-395E-4EC9-ABC7-7D29A07E0069}" destId="{6A8BAB25-D34D-493F-92D4-9750960926DC}" srcOrd="1" destOrd="0" presId="urn:microsoft.com/office/officeart/2005/8/layout/process4"/>
-    <dgm:cxn modelId="{70861A24-3662-4407-8627-9CFEEF76EECC}" type="presParOf" srcId="{10463E9E-395E-4EC9-ABC7-7D29A07E0069}" destId="{E4884203-AE07-4EE1-AC88-D048B41919A1}" srcOrd="2" destOrd="0" presId="urn:microsoft.com/office/officeart/2005/8/layout/process4"/>
-    <dgm:cxn modelId="{1641759F-1302-4B46-9DA7-85C35FC3729D}" type="presParOf" srcId="{E4884203-AE07-4EE1-AC88-D048B41919A1}" destId="{0DF85CD2-6CF9-47AC-A34C-770CF5369BD0}" srcOrd="0" destOrd="0" presId="urn:microsoft.com/office/officeart/2005/8/layout/process4"/>
-    <dgm:cxn modelId="{E22F77DF-8A1E-49D6-8529-9C68231B2DA8}" type="presParOf" srcId="{31D3AE5D-DA06-4E2D-9D68-F5531DFE7C2B}" destId="{CF17DDDA-1AD1-4F3F-919D-D2A0AC7FE059}" srcOrd="1" destOrd="0" presId="urn:microsoft.com/office/officeart/2005/8/layout/process4"/>
-    <dgm:cxn modelId="{ED69AFF1-BC25-439C-B47D-E7136E24EE15}" type="presParOf" srcId="{31D3AE5D-DA06-4E2D-9D68-F5531DFE7C2B}" destId="{938AF874-1FE6-4B4D-B7BF-A48F80CC278C}" srcOrd="2" destOrd="0" presId="urn:microsoft.com/office/officeart/2005/8/layout/process4"/>
-    <dgm:cxn modelId="{F01F35F1-8F19-4718-AF16-7D85FE369B12}" type="presParOf" srcId="{938AF874-1FE6-4B4D-B7BF-A48F80CC278C}" destId="{685ED090-CEC5-48F0-886A-6374D386561F}" srcOrd="0" destOrd="0" presId="urn:microsoft.com/office/officeart/2005/8/layout/process4"/>
-    <dgm:cxn modelId="{DA36365B-48D3-40C0-AA34-15A9A69FA5E7}" type="presParOf" srcId="{938AF874-1FE6-4B4D-B7BF-A48F80CC278C}" destId="{355570FB-E612-4845-B42E-2F8E23532118}" srcOrd="1" destOrd="0" presId="urn:microsoft.com/office/officeart/2005/8/layout/process4"/>
-    <dgm:cxn modelId="{B2AAD945-3312-405D-9F27-6E973AA79556}" type="presParOf" srcId="{938AF874-1FE6-4B4D-B7BF-A48F80CC278C}" destId="{2D77546D-E050-496F-A720-85C74D0F09AE}" srcOrd="2" destOrd="0" presId="urn:microsoft.com/office/officeart/2005/8/layout/process4"/>
-    <dgm:cxn modelId="{1F2FBFEF-038E-4B8D-86DF-F0A5FF89881C}" type="presParOf" srcId="{2D77546D-E050-496F-A720-85C74D0F09AE}" destId="{0A5DCFC2-B97D-41C8-99DD-6FF1868DC123}" srcOrd="0" destOrd="0" presId="urn:microsoft.com/office/officeart/2005/8/layout/process4"/>
-    <dgm:cxn modelId="{6C7CBAF6-DE28-4F8D-B164-1B143999CBCB}" type="presParOf" srcId="{2D77546D-E050-496F-A720-85C74D0F09AE}" destId="{CAF857BD-3F25-4424-B528-83E0E512C4B8}" srcOrd="1" destOrd="0" presId="urn:microsoft.com/office/officeart/2005/8/layout/process4"/>
-    <dgm:cxn modelId="{F0AD8422-AE92-4382-8595-17100BFBCC76}" type="presParOf" srcId="{31D3AE5D-DA06-4E2D-9D68-F5531DFE7C2B}" destId="{B10D3634-2B7F-4C82-BB89-0D1F7E2701B8}" srcOrd="3" destOrd="0" presId="urn:microsoft.com/office/officeart/2005/8/layout/process4"/>
-    <dgm:cxn modelId="{D8EFFB20-DC28-483F-A893-08EF42DFFA2C}" type="presParOf" srcId="{31D3AE5D-DA06-4E2D-9D68-F5531DFE7C2B}" destId="{2D9A29F8-DDBC-4030-83C0-6F146E6D3FAC}" srcOrd="4" destOrd="0" presId="urn:microsoft.com/office/officeart/2005/8/layout/process4"/>
-    <dgm:cxn modelId="{7B3D2E8A-A21C-488A-93D6-2AE329A17110}" type="presParOf" srcId="{2D9A29F8-DDBC-4030-83C0-6F146E6D3FAC}" destId="{CAF87DBF-E001-4678-841B-9855CC530890}" srcOrd="0" destOrd="0" presId="urn:microsoft.com/office/officeart/2005/8/layout/process4"/>
-    <dgm:cxn modelId="{4B3F348E-8B9B-45F6-84E4-50F1BEC3BC9F}" type="presParOf" srcId="{2D9A29F8-DDBC-4030-83C0-6F146E6D3FAC}" destId="{2448C78B-1E57-4A58-BB7D-F78DB646938B}" srcOrd="1" destOrd="0" presId="urn:microsoft.com/office/officeart/2005/8/layout/process4"/>
-    <dgm:cxn modelId="{D89C5967-E93E-416C-AD38-68DAFA689DD7}" type="presParOf" srcId="{2D9A29F8-DDBC-4030-83C0-6F146E6D3FAC}" destId="{B1C945AB-9E31-4604-AD9B-51D4994AA4CB}" srcOrd="2" destOrd="0" presId="urn:microsoft.com/office/officeart/2005/8/layout/process4"/>
-    <dgm:cxn modelId="{50FF2265-096B-4811-B408-120326CB1849}" type="presParOf" srcId="{B1C945AB-9E31-4604-AD9B-51D4994AA4CB}" destId="{3B1A510C-A7D5-48FE-8C6D-F8FAC1A7D3DB}" srcOrd="0" destOrd="0" presId="urn:microsoft.com/office/officeart/2005/8/layout/process4"/>
-    <dgm:cxn modelId="{42214203-452C-462C-959D-DB2FC6682E11}" type="presParOf" srcId="{B1C945AB-9E31-4604-AD9B-51D4994AA4CB}" destId="{D964B2E6-0029-4495-AA74-39C58C55A094}" srcOrd="1" destOrd="0" presId="urn:microsoft.com/office/officeart/2005/8/layout/process4"/>
-    <dgm:cxn modelId="{0C432FCB-3A3B-4633-BC58-A93C92E6C60C}" type="presParOf" srcId="{B1C945AB-9E31-4604-AD9B-51D4994AA4CB}" destId="{5D002B26-0BAF-4D12-B506-62EDC36F3C3F}" srcOrd="2" destOrd="0" presId="urn:microsoft.com/office/officeart/2005/8/layout/process4"/>
-    <dgm:cxn modelId="{5AB3E844-1B6C-4481-9AA1-0F12C9859501}" type="presParOf" srcId="{31D3AE5D-DA06-4E2D-9D68-F5531DFE7C2B}" destId="{E8E4FA32-D001-4F89-AA6F-4C9DD7BB6ABB}" srcOrd="5" destOrd="0" presId="urn:microsoft.com/office/officeart/2005/8/layout/process4"/>
-    <dgm:cxn modelId="{165040B5-935B-4C72-911F-3AB587F44445}" type="presParOf" srcId="{31D3AE5D-DA06-4E2D-9D68-F5531DFE7C2B}" destId="{E8409EF1-2824-4CED-9E5E-4855DA433139}" srcOrd="6" destOrd="0" presId="urn:microsoft.com/office/officeart/2005/8/layout/process4"/>
+    <dgm:cxn modelId="{5EA49BF5-4DBB-4F90-A24A-5DC16040CF9A}" type="presParOf" srcId="{31D3AE5D-DA06-4E2D-9D68-F5531DFE7C2B}" destId="{2853F11D-39DA-46F1-BB72-AAC720D80AF6}" srcOrd="0" destOrd="0" presId="urn:microsoft.com/office/officeart/2005/8/layout/process4"/>
+    <dgm:cxn modelId="{91D1CC57-3C34-4F51-AC47-D77EB11F51BD}" type="presParOf" srcId="{2853F11D-39DA-46F1-BB72-AAC720D80AF6}" destId="{2E5B8AEB-A917-4AEF-8B2C-C924DD0A402C}" srcOrd="0" destOrd="0" presId="urn:microsoft.com/office/officeart/2005/8/layout/process4"/>
+    <dgm:cxn modelId="{973BC51B-E3E7-47D2-9318-B9029E62E8E2}" type="presParOf" srcId="{2853F11D-39DA-46F1-BB72-AAC720D80AF6}" destId="{B7428969-A353-4AD6-B65E-3AC69AB0D5F4}" srcOrd="1" destOrd="0" presId="urn:microsoft.com/office/officeart/2005/8/layout/process4"/>
+    <dgm:cxn modelId="{2CE5311E-C20E-44FF-B617-F27625230329}" type="presParOf" srcId="{2853F11D-39DA-46F1-BB72-AAC720D80AF6}" destId="{A8B7E399-C7E5-4722-90B6-F2DBB157F210}" srcOrd="2" destOrd="0" presId="urn:microsoft.com/office/officeart/2005/8/layout/process4"/>
+    <dgm:cxn modelId="{8A923FE5-7B96-4DF2-8C06-963E57227C40}" type="presParOf" srcId="{A8B7E399-C7E5-4722-90B6-F2DBB157F210}" destId="{0544DE2F-B688-463C-900B-D2364B447E20}" srcOrd="0" destOrd="0" presId="urn:microsoft.com/office/officeart/2005/8/layout/process4"/>
+    <dgm:cxn modelId="{0B2C2762-A566-422E-8626-9910483AB911}" type="presParOf" srcId="{A8B7E399-C7E5-4722-90B6-F2DBB157F210}" destId="{461315CA-CA46-4315-9DFF-4942E607017D}" srcOrd="1" destOrd="0" presId="urn:microsoft.com/office/officeart/2005/8/layout/process4"/>
+    <dgm:cxn modelId="{8BD7933E-EB79-4ECC-B587-BC8D3886CB6F}" type="presParOf" srcId="{A8B7E399-C7E5-4722-90B6-F2DBB157F210}" destId="{2BD09F5A-C071-464B-9BEF-6FB46E24F66B}" srcOrd="2" destOrd="0" presId="urn:microsoft.com/office/officeart/2005/8/layout/process4"/>
+    <dgm:cxn modelId="{5AB3E844-1B6C-4481-9AA1-0F12C9859501}" type="presParOf" srcId="{31D3AE5D-DA06-4E2D-9D68-F5531DFE7C2B}" destId="{E8E4FA32-D001-4F89-AA6F-4C9DD7BB6ABB}" srcOrd="1" destOrd="0" presId="urn:microsoft.com/office/officeart/2005/8/layout/process4"/>
+    <dgm:cxn modelId="{165040B5-935B-4C72-911F-3AB587F44445}" type="presParOf" srcId="{31D3AE5D-DA06-4E2D-9D68-F5531DFE7C2B}" destId="{E8409EF1-2824-4CED-9E5E-4855DA433139}" srcOrd="2" destOrd="0" presId="urn:microsoft.com/office/officeart/2005/8/layout/process4"/>
     <dgm:cxn modelId="{9BD699AD-DC38-41D6-9621-C135C44E1EE6}" type="presParOf" srcId="{E8409EF1-2824-4CED-9E5E-4855DA433139}" destId="{F962ABC7-B55E-44BA-B0E4-0CE69D72E1F5}" srcOrd="0" destOrd="0" presId="urn:microsoft.com/office/officeart/2005/8/layout/process4"/>
     <dgm:cxn modelId="{E16843D3-D256-44DA-BA3A-79E23E73125A}" type="presParOf" srcId="{E8409EF1-2824-4CED-9E5E-4855DA433139}" destId="{C2BDE5F3-CD07-4F2A-8E1A-7C891D9233B8}" srcOrd="1" destOrd="0" presId="urn:microsoft.com/office/officeart/2005/8/layout/process4"/>
     <dgm:cxn modelId="{2EA73D37-F978-4F7F-A817-725CF7BA6A4C}" type="presParOf" srcId="{E8409EF1-2824-4CED-9E5E-4855DA433139}" destId="{246F1D0E-4653-492E-859E-CBEFCB4EE4ED}" srcOrd="2" destOrd="0" presId="urn:microsoft.com/office/officeart/2005/8/layout/process4"/>
     <dgm:cxn modelId="{9F58C783-942B-411C-9720-B147ECDC41D9}" type="presParOf" srcId="{246F1D0E-4653-492E-859E-CBEFCB4EE4ED}" destId="{C8CE4F00-3FBA-4F31-827C-B25B2583799F}" srcOrd="0" destOrd="0" presId="urn:microsoft.com/office/officeart/2005/8/layout/process4"/>
-    <dgm:cxn modelId="{DF157FA0-6CFF-475F-B2C1-C14A30CA284D}" type="presParOf" srcId="{31D3AE5D-DA06-4E2D-9D68-F5531DFE7C2B}" destId="{0226793B-92A0-4530-A8D1-D80AF6A16C31}" srcOrd="7" destOrd="0" presId="urn:microsoft.com/office/officeart/2005/8/layout/process4"/>
-    <dgm:cxn modelId="{D9B8890F-622F-4EF7-B8C9-501999392107}" type="presParOf" srcId="{31D3AE5D-DA06-4E2D-9D68-F5531DFE7C2B}" destId="{1A669411-1539-46A4-9D6E-2C85E15B0FA6}" srcOrd="8" destOrd="0" presId="urn:microsoft.com/office/officeart/2005/8/layout/process4"/>
+    <dgm:cxn modelId="{DF157FA0-6CFF-475F-B2C1-C14A30CA284D}" type="presParOf" srcId="{31D3AE5D-DA06-4E2D-9D68-F5531DFE7C2B}" destId="{0226793B-92A0-4530-A8D1-D80AF6A16C31}" srcOrd="3" destOrd="0" presId="urn:microsoft.com/office/officeart/2005/8/layout/process4"/>
+    <dgm:cxn modelId="{D9B8890F-622F-4EF7-B8C9-501999392107}" type="presParOf" srcId="{31D3AE5D-DA06-4E2D-9D68-F5531DFE7C2B}" destId="{1A669411-1539-46A4-9D6E-2C85E15B0FA6}" srcOrd="4" destOrd="0" presId="urn:microsoft.com/office/officeart/2005/8/layout/process4"/>
     <dgm:cxn modelId="{CF2E4F72-F757-4A14-BF45-750381229016}" type="presParOf" srcId="{1A669411-1539-46A4-9D6E-2C85E15B0FA6}" destId="{859CA2CA-8A33-4975-9F01-7A3C8BB729DE}" srcOrd="0" destOrd="0" presId="urn:microsoft.com/office/officeart/2005/8/layout/process4"/>
     <dgm:cxn modelId="{4476044B-B0FF-4572-BB01-9732B848392A}" type="presParOf" srcId="{1A669411-1539-46A4-9D6E-2C85E15B0FA6}" destId="{A48265CE-F3A3-46DB-9DD2-97590B4DBB84}" srcOrd="1" destOrd="0" presId="urn:microsoft.com/office/officeart/2005/8/layout/process4"/>
     <dgm:cxn modelId="{108CBA6F-ABE6-49B0-8D57-CCB454AC970F}" type="presParOf" srcId="{1A669411-1539-46A4-9D6E-2C85E15B0FA6}" destId="{DB89CC08-BF2F-4B2E-B88D-22F7BE6ECA5F}" srcOrd="2" destOrd="0" presId="urn:microsoft.com/office/officeart/2005/8/layout/process4"/>
@@ -4496,15 +4314,15 @@
       <dsp:cNvGrpSpPr/>
     </dsp:nvGrpSpPr>
     <dsp:grpSpPr/>
-    <dsp:sp modelId="{6A8BAB25-D34D-493F-92D4-9750960926DC}">
+    <dsp:sp modelId="{B7428969-A353-4AD6-B65E-3AC69AB0D5F4}">
       <dsp:nvSpPr>
         <dsp:cNvPr id="0" name=""/>
         <dsp:cNvSpPr/>
       </dsp:nvSpPr>
       <dsp:spPr>
         <a:xfrm>
-          <a:off x="0" y="3866762"/>
-          <a:ext cx="5549899" cy="634374"/>
+          <a:off x="0" y="3389864"/>
+          <a:ext cx="5549899" cy="1112629"/>
         </a:xfrm>
         <a:prstGeom prst="rect">
           <a:avLst/>
@@ -4545,12 +4363,12 @@
         </a:fontRef>
       </dsp:style>
       <dsp:txBody>
-        <a:bodyPr spcFirstLastPara="0" vert="horz" wrap="square" lIns="85344" tIns="85344" rIns="85344" bIns="85344" numCol="1" spcCol="1270" anchor="ctr" anchorCtr="0">
+        <a:bodyPr spcFirstLastPara="0" vert="horz" wrap="square" lIns="149352" tIns="149352" rIns="149352" bIns="149352" numCol="1" spcCol="1270" anchor="ctr" anchorCtr="0">
           <a:noAutofit/>
         </a:bodyPr>
         <a:lstStyle/>
         <a:p>
-          <a:pPr marL="0" lvl="0" indent="0" algn="ctr" defTabSz="533400">
+          <a:pPr marL="0" lvl="0" indent="0" algn="ctr" defTabSz="933450">
             <a:lnSpc>
               <a:spcPct val="90000"/>
             </a:lnSpc>
@@ -4563,33 +4381,33 @@
             <a:buNone/>
           </a:pPr>
           <a:r>
-            <a:rPr lang="en-US" sz="1200" kern="1200" dirty="0"/>
-            <a:t>Expected Result On 10</a:t>
+            <a:rPr lang="en-US" sz="2100" kern="1200" dirty="0"/>
+            <a:t>Results After 25</a:t>
           </a:r>
           <a:r>
-            <a:rPr lang="en-US" sz="1200" kern="1200" baseline="30000" dirty="0"/>
+            <a:rPr lang="en-US" sz="2100" kern="1200" baseline="30000" dirty="0"/>
             <a:t>th</a:t>
           </a:r>
           <a:r>
-            <a:rPr lang="en-US" sz="1200" kern="1200" dirty="0"/>
-            <a:t> April</a:t>
+            <a:rPr lang="en-US" sz="2100" kern="1200" dirty="0"/>
+            <a:t>  March 2022 (1 Lead)</a:t>
           </a:r>
         </a:p>
       </dsp:txBody>
       <dsp:txXfrm>
-        <a:off x="0" y="3866762"/>
-        <a:ext cx="5549899" cy="342562"/>
+        <a:off x="0" y="3389864"/>
+        <a:ext cx="5549899" cy="600819"/>
       </dsp:txXfrm>
     </dsp:sp>
-    <dsp:sp modelId="{0DF85CD2-6CF9-47AC-A34C-770CF5369BD0}">
+    <dsp:sp modelId="{0544DE2F-B688-463C-900B-D2364B447E20}">
       <dsp:nvSpPr>
         <dsp:cNvPr id="0" name=""/>
         <dsp:cNvSpPr/>
       </dsp:nvSpPr>
       <dsp:spPr>
         <a:xfrm>
-          <a:off x="0" y="4196637"/>
-          <a:ext cx="5549899" cy="291812"/>
+          <a:off x="2709" y="3968431"/>
+          <a:ext cx="1848159" cy="511809"/>
         </a:xfrm>
         <a:prstGeom prst="rect">
           <a:avLst/>
@@ -4632,12 +4450,12 @@
         <a:fontRef idx="minor"/>
       </dsp:style>
       <dsp:txBody>
-        <a:bodyPr spcFirstLastPara="0" vert="horz" wrap="square" lIns="71120" tIns="12700" rIns="71120" bIns="12700" numCol="1" spcCol="1270" anchor="ctr" anchorCtr="0">
+        <a:bodyPr spcFirstLastPara="0" vert="horz" wrap="square" lIns="113792" tIns="20320" rIns="113792" bIns="20320" numCol="1" spcCol="1270" anchor="ctr" anchorCtr="0">
           <a:noAutofit/>
         </a:bodyPr>
         <a:lstStyle/>
         <a:p>
-          <a:pPr marL="0" lvl="0" indent="0" algn="ctr" defTabSz="444500">
+          <a:pPr marL="0" lvl="0" indent="0" algn="ctr" defTabSz="711200">
             <a:lnSpc>
               <a:spcPct val="90000"/>
             </a:lnSpc>
@@ -4650,110 +4468,25 @@
             <a:buNone/>
           </a:pPr>
           <a:r>
-            <a:rPr lang="en-US" sz="1000" kern="1200" dirty="0"/>
-            <a:t>A PRODUCT</a:t>
+            <a:rPr lang="en-US" sz="1600" kern="1200" dirty="0"/>
+            <a:t>Blynk Application Setup</a:t>
           </a:r>
         </a:p>
       </dsp:txBody>
       <dsp:txXfrm>
-        <a:off x="0" y="4196637"/>
-        <a:ext cx="5549899" cy="291812"/>
+        <a:off x="2709" y="3968431"/>
+        <a:ext cx="1848159" cy="511809"/>
       </dsp:txXfrm>
     </dsp:sp>
-    <dsp:sp modelId="{355570FB-E612-4845-B42E-2F8E23532118}">
-      <dsp:nvSpPr>
-        <dsp:cNvPr id="0" name=""/>
-        <dsp:cNvSpPr/>
-      </dsp:nvSpPr>
-      <dsp:spPr>
-        <a:xfrm rot="10800000">
-          <a:off x="0" y="2900610"/>
-          <a:ext cx="5549899" cy="975668"/>
-        </a:xfrm>
-        <a:prstGeom prst="upArrowCallout">
-          <a:avLst/>
-        </a:prstGeom>
-        <a:solidFill>
-          <a:schemeClr val="accent3">
-            <a:hueOff val="233978"/>
-            <a:satOff val="-63"/>
-            <a:lumOff val="1912"/>
-            <a:alphaOff val="0"/>
-          </a:schemeClr>
-        </a:solidFill>
-        <a:ln w="15875" cap="flat" cmpd="sng" algn="ctr">
-          <a:solidFill>
-            <a:schemeClr val="lt1">
-              <a:hueOff val="0"/>
-              <a:satOff val="0"/>
-              <a:lumOff val="0"/>
-              <a:alphaOff val="0"/>
-            </a:schemeClr>
-          </a:solidFill>
-          <a:prstDash val="solid"/>
-        </a:ln>
-        <a:effectLst/>
-      </dsp:spPr>
-      <dsp:style>
-        <a:lnRef idx="2">
-          <a:scrgbClr r="0" g="0" b="0"/>
-        </a:lnRef>
-        <a:fillRef idx="1">
-          <a:scrgbClr r="0" g="0" b="0"/>
-        </a:fillRef>
-        <a:effectRef idx="0">
-          <a:scrgbClr r="0" g="0" b="0"/>
-        </a:effectRef>
-        <a:fontRef idx="minor">
-          <a:schemeClr val="lt1"/>
-        </a:fontRef>
-      </dsp:style>
-      <dsp:txBody>
-        <a:bodyPr spcFirstLastPara="0" vert="horz" wrap="square" lIns="85344" tIns="85344" rIns="85344" bIns="85344" numCol="1" spcCol="1270" anchor="ctr" anchorCtr="0">
-          <a:noAutofit/>
-        </a:bodyPr>
-        <a:lstStyle/>
-        <a:p>
-          <a:pPr marL="0" lvl="0" indent="0" algn="ctr" defTabSz="533400">
-            <a:lnSpc>
-              <a:spcPct val="90000"/>
-            </a:lnSpc>
-            <a:spcBef>
-              <a:spcPct val="0"/>
-            </a:spcBef>
-            <a:spcAft>
-              <a:spcPct val="35000"/>
-            </a:spcAft>
-            <a:buNone/>
-          </a:pPr>
-          <a:r>
-            <a:rPr lang="en-US" sz="1200" kern="1200" dirty="0"/>
-            <a:t>Expected Results After 5</a:t>
-          </a:r>
-          <a:r>
-            <a:rPr lang="en-US" sz="1200" kern="1200" baseline="30000" dirty="0"/>
-            <a:t>th</a:t>
-          </a:r>
-          <a:r>
-            <a:rPr lang="en-US" sz="1200" kern="1200" dirty="0"/>
-            <a:t>  April 2022 (12 Lead)</a:t>
-          </a:r>
-        </a:p>
-      </dsp:txBody>
-      <dsp:txXfrm rot="-10800000">
-        <a:off x="0" y="2900610"/>
-        <a:ext cx="5549899" cy="342459"/>
-      </dsp:txXfrm>
-    </dsp:sp>
-    <dsp:sp modelId="{0A5DCFC2-B97D-41C8-99DD-6FF1868DC123}">
+    <dsp:sp modelId="{461315CA-CA46-4315-9DFF-4942E607017D}">
       <dsp:nvSpPr>
         <dsp:cNvPr id="0" name=""/>
         <dsp:cNvSpPr/>
       </dsp:nvSpPr>
       <dsp:spPr>
         <a:xfrm>
-          <a:off x="0" y="3243069"/>
-          <a:ext cx="2774949" cy="291724"/>
+          <a:off x="1850869" y="3968431"/>
+          <a:ext cx="1848159" cy="511809"/>
         </a:xfrm>
         <a:prstGeom prst="rect">
           <a:avLst/>
@@ -4762,9 +4495,9 @@
           <a:schemeClr val="accent3">
             <a:tint val="40000"/>
             <a:alpha val="90000"/>
-            <a:hueOff val="110006"/>
-            <a:satOff val="1221"/>
-            <a:lumOff val="172"/>
+            <a:hueOff val="157151"/>
+            <a:satOff val="1745"/>
+            <a:lumOff val="245"/>
             <a:alphaOff val="0"/>
           </a:schemeClr>
         </a:solidFill>
@@ -4773,9 +4506,9 @@
             <a:schemeClr val="accent3">
               <a:tint val="40000"/>
               <a:alpha val="90000"/>
-              <a:hueOff val="110006"/>
-              <a:satOff val="1221"/>
-              <a:lumOff val="172"/>
+              <a:hueOff val="157151"/>
+              <a:satOff val="1745"/>
+              <a:lumOff val="245"/>
               <a:alphaOff val="0"/>
             </a:schemeClr>
           </a:solidFill>
@@ -4796,12 +4529,12 @@
         <a:fontRef idx="minor"/>
       </dsp:style>
       <dsp:txBody>
-        <a:bodyPr spcFirstLastPara="0" vert="horz" wrap="square" lIns="71120" tIns="12700" rIns="71120" bIns="12700" numCol="1" spcCol="1270" anchor="ctr" anchorCtr="0">
+        <a:bodyPr spcFirstLastPara="0" vert="horz" wrap="square" lIns="113792" tIns="20320" rIns="113792" bIns="20320" numCol="1" spcCol="1270" anchor="ctr" anchorCtr="0">
           <a:noAutofit/>
         </a:bodyPr>
         <a:lstStyle/>
         <a:p>
-          <a:pPr marL="0" lvl="0" indent="0" algn="ctr" defTabSz="444500">
+          <a:pPr marL="0" lvl="0" indent="0" algn="ctr" defTabSz="711200">
             <a:lnSpc>
               <a:spcPct val="90000"/>
             </a:lnSpc>
@@ -4811,28 +4544,29 @@
             <a:spcAft>
               <a:spcPct val="35000"/>
             </a:spcAft>
+            <a:buFont typeface="+mj-lt"/>
             <a:buNone/>
           </a:pPr>
           <a:r>
-            <a:rPr lang="en-US" sz="1000" kern="1200" dirty="0"/>
-            <a:t>Hardware Modification</a:t>
+            <a:rPr lang="en-US" sz="1600" kern="1200" dirty="0"/>
+            <a:t>Local Server/GCP API Creation</a:t>
           </a:r>
         </a:p>
       </dsp:txBody>
       <dsp:txXfrm>
-        <a:off x="0" y="3243069"/>
-        <a:ext cx="2774949" cy="291724"/>
+        <a:off x="1850869" y="3968431"/>
+        <a:ext cx="1848159" cy="511809"/>
       </dsp:txXfrm>
     </dsp:sp>
-    <dsp:sp modelId="{CAF857BD-3F25-4424-B528-83E0E512C4B8}">
+    <dsp:sp modelId="{2BD09F5A-C071-464B-9BEF-6FB46E24F66B}">
       <dsp:nvSpPr>
         <dsp:cNvPr id="0" name=""/>
         <dsp:cNvSpPr/>
       </dsp:nvSpPr>
       <dsp:spPr>
         <a:xfrm>
-          <a:off x="2774949" y="3243069"/>
-          <a:ext cx="2774949" cy="291724"/>
+          <a:off x="3699029" y="3968431"/>
+          <a:ext cx="1848159" cy="511809"/>
         </a:xfrm>
         <a:prstGeom prst="rect">
           <a:avLst/>
@@ -4841,9 +4575,9 @@
           <a:schemeClr val="accent3">
             <a:tint val="40000"/>
             <a:alpha val="90000"/>
-            <a:hueOff val="220012"/>
-            <a:satOff val="2442"/>
-            <a:lumOff val="343"/>
+            <a:hueOff val="314303"/>
+            <a:satOff val="3489"/>
+            <a:lumOff val="490"/>
             <a:alphaOff val="0"/>
           </a:schemeClr>
         </a:solidFill>
@@ -4852,9 +4586,9 @@
             <a:schemeClr val="accent3">
               <a:tint val="40000"/>
               <a:alpha val="90000"/>
-              <a:hueOff val="220012"/>
-              <a:satOff val="2442"/>
-              <a:lumOff val="343"/>
+              <a:hueOff val="314303"/>
+              <a:satOff val="3489"/>
+              <a:lumOff val="490"/>
               <a:alphaOff val="0"/>
             </a:schemeClr>
           </a:solidFill>
@@ -4875,12 +4609,12 @@
         <a:fontRef idx="minor"/>
       </dsp:style>
       <dsp:txBody>
-        <a:bodyPr spcFirstLastPara="0" vert="horz" wrap="square" lIns="71120" tIns="12700" rIns="71120" bIns="12700" numCol="1" spcCol="1270" anchor="ctr" anchorCtr="0">
+        <a:bodyPr spcFirstLastPara="0" vert="horz" wrap="square" lIns="113792" tIns="20320" rIns="113792" bIns="20320" numCol="1" spcCol="1270" anchor="ctr" anchorCtr="0">
           <a:noAutofit/>
         </a:bodyPr>
         <a:lstStyle/>
         <a:p>
-          <a:pPr marL="0" lvl="0" indent="0" algn="ctr" defTabSz="444500">
+          <a:pPr marL="0" lvl="0" indent="0" algn="ctr" defTabSz="711200">
             <a:lnSpc>
               <a:spcPct val="90000"/>
             </a:lnSpc>
@@ -4893,25 +4627,25 @@
             <a:buNone/>
           </a:pPr>
           <a:r>
-            <a:rPr lang="en-US" sz="1000" kern="1200" dirty="0"/>
-            <a:t>Improvements in Software</a:t>
+            <a:rPr lang="en-US" sz="1600" kern="1200" dirty="0"/>
+            <a:t>ML output live analysis</a:t>
           </a:r>
         </a:p>
       </dsp:txBody>
       <dsp:txXfrm>
-        <a:off x="2774949" y="3243069"/>
-        <a:ext cx="2774949" cy="291724"/>
+        <a:off x="3699029" y="3968431"/>
+        <a:ext cx="1848159" cy="511809"/>
       </dsp:txXfrm>
     </dsp:sp>
-    <dsp:sp modelId="{2448C78B-1E57-4A58-BB7D-F78DB646938B}">
+    <dsp:sp modelId="{C2BDE5F3-CD07-4F2A-8E1A-7C891D9233B8}">
       <dsp:nvSpPr>
         <dsp:cNvPr id="0" name=""/>
         <dsp:cNvSpPr/>
       </dsp:nvSpPr>
       <dsp:spPr>
         <a:xfrm rot="10800000">
-          <a:off x="0" y="1934457"/>
-          <a:ext cx="5549899" cy="975668"/>
+          <a:off x="0" y="1695330"/>
+          <a:ext cx="5549899" cy="1711223"/>
         </a:xfrm>
         <a:prstGeom prst="upArrowCallout">
           <a:avLst/>
@@ -4952,12 +4686,12 @@
         </a:fontRef>
       </dsp:style>
       <dsp:txBody>
-        <a:bodyPr spcFirstLastPara="0" vert="horz" wrap="square" lIns="85344" tIns="85344" rIns="85344" bIns="85344" numCol="1" spcCol="1270" anchor="ctr" anchorCtr="0">
+        <a:bodyPr spcFirstLastPara="0" vert="horz" wrap="square" lIns="149352" tIns="149352" rIns="149352" bIns="149352" numCol="1" spcCol="1270" anchor="ctr" anchorCtr="0">
           <a:noAutofit/>
         </a:bodyPr>
         <a:lstStyle/>
         <a:p>
-          <a:pPr marL="0" lvl="0" indent="0" algn="ctr" defTabSz="533400">
+          <a:pPr marL="0" lvl="0" indent="0" algn="ctr" defTabSz="933450">
             <a:lnSpc>
               <a:spcPct val="90000"/>
             </a:lnSpc>
@@ -4970,33 +4704,33 @@
             <a:buNone/>
           </a:pPr>
           <a:r>
-            <a:rPr lang="en-US" sz="1200" kern="1200" dirty="0"/>
-            <a:t>Results After 25</a:t>
+            <a:rPr lang="en-US" sz="2100" kern="1200" dirty="0"/>
+            <a:t>Results After 1 week 10</a:t>
           </a:r>
           <a:r>
-            <a:rPr lang="en-US" sz="1200" kern="1200" baseline="30000" dirty="0"/>
+            <a:rPr lang="en-US" sz="2100" kern="1200" baseline="30000" dirty="0"/>
             <a:t>th</a:t>
           </a:r>
           <a:r>
-            <a:rPr lang="en-US" sz="1200" kern="1200" dirty="0"/>
+            <a:rPr lang="en-US" sz="2100" kern="1200" dirty="0"/>
             <a:t>  March 2022 (1 Lead)</a:t>
           </a:r>
         </a:p>
       </dsp:txBody>
       <dsp:txXfrm rot="-10800000">
-        <a:off x="0" y="1934457"/>
-        <a:ext cx="5549899" cy="342459"/>
+        <a:off x="0" y="1695330"/>
+        <a:ext cx="5549899" cy="600639"/>
       </dsp:txXfrm>
     </dsp:sp>
-    <dsp:sp modelId="{3B1A510C-A7D5-48FE-8C6D-F8FAC1A7D3DB}">
+    <dsp:sp modelId="{C8CE4F00-3FBA-4F31-827C-B25B2583799F}">
       <dsp:nvSpPr>
         <dsp:cNvPr id="0" name=""/>
         <dsp:cNvSpPr/>
       </dsp:nvSpPr>
       <dsp:spPr>
         <a:xfrm>
-          <a:off x="2709" y="2276917"/>
-          <a:ext cx="1848159" cy="291724"/>
+          <a:off x="0" y="2295969"/>
+          <a:ext cx="5549899" cy="511655"/>
         </a:xfrm>
         <a:prstGeom prst="rect">
           <a:avLst/>
@@ -5005,9 +4739,9 @@
           <a:schemeClr val="accent3">
             <a:tint val="40000"/>
             <a:alpha val="90000"/>
-            <a:hueOff val="330018"/>
-            <a:satOff val="3664"/>
-            <a:lumOff val="515"/>
+            <a:hueOff val="471454"/>
+            <a:satOff val="5234"/>
+            <a:lumOff val="735"/>
             <a:alphaOff val="0"/>
           </a:schemeClr>
         </a:solidFill>
@@ -5016,9 +4750,9 @@
             <a:schemeClr val="accent3">
               <a:tint val="40000"/>
               <a:alpha val="90000"/>
-              <a:hueOff val="330018"/>
-              <a:satOff val="3664"/>
-              <a:lumOff val="515"/>
+              <a:hueOff val="471454"/>
+              <a:satOff val="5234"/>
+              <a:lumOff val="735"/>
               <a:alphaOff val="0"/>
             </a:schemeClr>
           </a:solidFill>
@@ -5039,12 +4773,12 @@
         <a:fontRef idx="minor"/>
       </dsp:style>
       <dsp:txBody>
-        <a:bodyPr spcFirstLastPara="0" vert="horz" wrap="square" lIns="71120" tIns="12700" rIns="71120" bIns="12700" numCol="1" spcCol="1270" anchor="ctr" anchorCtr="0">
+        <a:bodyPr spcFirstLastPara="0" vert="horz" wrap="square" lIns="113792" tIns="20320" rIns="113792" bIns="20320" numCol="1" spcCol="1270" anchor="ctr" anchorCtr="0">
           <a:noAutofit/>
         </a:bodyPr>
         <a:lstStyle/>
         <a:p>
-          <a:pPr marL="0" lvl="0" indent="0" algn="ctr" defTabSz="444500">
+          <a:pPr marL="0" lvl="0" indent="0" algn="ctr" defTabSz="711200">
             <a:lnSpc>
               <a:spcPct val="90000"/>
             </a:lnSpc>
@@ -5057,337 +4791,14 @@
             <a:buNone/>
           </a:pPr>
           <a:r>
-            <a:rPr lang="en-US" sz="1000" kern="1200" dirty="0"/>
-            <a:t>Blynk Application Setup</a:t>
-          </a:r>
-        </a:p>
-      </dsp:txBody>
-      <dsp:txXfrm>
-        <a:off x="2709" y="2276917"/>
-        <a:ext cx="1848159" cy="291724"/>
-      </dsp:txXfrm>
-    </dsp:sp>
-    <dsp:sp modelId="{D964B2E6-0029-4495-AA74-39C58C55A094}">
-      <dsp:nvSpPr>
-        <dsp:cNvPr id="0" name=""/>
-        <dsp:cNvSpPr/>
-      </dsp:nvSpPr>
-      <dsp:spPr>
-        <a:xfrm>
-          <a:off x="1850869" y="2276917"/>
-          <a:ext cx="1848159" cy="291724"/>
-        </a:xfrm>
-        <a:prstGeom prst="rect">
-          <a:avLst/>
-        </a:prstGeom>
-        <a:solidFill>
-          <a:schemeClr val="accent3">
-            <a:tint val="40000"/>
-            <a:alpha val="90000"/>
-            <a:hueOff val="440024"/>
-            <a:satOff val="4885"/>
-            <a:lumOff val="686"/>
-            <a:alphaOff val="0"/>
-          </a:schemeClr>
-        </a:solidFill>
-        <a:ln w="15875" cap="flat" cmpd="sng" algn="ctr">
-          <a:solidFill>
-            <a:schemeClr val="accent3">
-              <a:tint val="40000"/>
-              <a:alpha val="90000"/>
-              <a:hueOff val="440024"/>
-              <a:satOff val="4885"/>
-              <a:lumOff val="686"/>
-              <a:alphaOff val="0"/>
-            </a:schemeClr>
-          </a:solidFill>
-          <a:prstDash val="solid"/>
-        </a:ln>
-        <a:effectLst/>
-      </dsp:spPr>
-      <dsp:style>
-        <a:lnRef idx="2">
-          <a:scrgbClr r="0" g="0" b="0"/>
-        </a:lnRef>
-        <a:fillRef idx="1">
-          <a:scrgbClr r="0" g="0" b="0"/>
-        </a:fillRef>
-        <a:effectRef idx="0">
-          <a:scrgbClr r="0" g="0" b="0"/>
-        </a:effectRef>
-        <a:fontRef idx="minor"/>
-      </dsp:style>
-      <dsp:txBody>
-        <a:bodyPr spcFirstLastPara="0" vert="horz" wrap="square" lIns="71120" tIns="12700" rIns="71120" bIns="12700" numCol="1" spcCol="1270" anchor="ctr" anchorCtr="0">
-          <a:noAutofit/>
-        </a:bodyPr>
-        <a:lstStyle/>
-        <a:p>
-          <a:pPr marL="0" lvl="0" indent="0" algn="ctr" defTabSz="444500">
-            <a:lnSpc>
-              <a:spcPct val="90000"/>
-            </a:lnSpc>
-            <a:spcBef>
-              <a:spcPct val="0"/>
-            </a:spcBef>
-            <a:spcAft>
-              <a:spcPct val="35000"/>
-            </a:spcAft>
-            <a:buFont typeface="+mj-lt"/>
-            <a:buNone/>
-          </a:pPr>
-          <a:r>
-            <a:rPr lang="en-US" sz="1000" kern="1200" dirty="0"/>
-            <a:t>Local Server/GCP API Creation</a:t>
-          </a:r>
-        </a:p>
-      </dsp:txBody>
-      <dsp:txXfrm>
-        <a:off x="1850869" y="2276917"/>
-        <a:ext cx="1848159" cy="291724"/>
-      </dsp:txXfrm>
-    </dsp:sp>
-    <dsp:sp modelId="{5D002B26-0BAF-4D12-B506-62EDC36F3C3F}">
-      <dsp:nvSpPr>
-        <dsp:cNvPr id="0" name=""/>
-        <dsp:cNvSpPr/>
-      </dsp:nvSpPr>
-      <dsp:spPr>
-        <a:xfrm>
-          <a:off x="3699029" y="2276917"/>
-          <a:ext cx="1848159" cy="291724"/>
-        </a:xfrm>
-        <a:prstGeom prst="rect">
-          <a:avLst/>
-        </a:prstGeom>
-        <a:solidFill>
-          <a:schemeClr val="accent3">
-            <a:tint val="40000"/>
-            <a:alpha val="90000"/>
-            <a:hueOff val="550030"/>
-            <a:satOff val="6106"/>
-            <a:lumOff val="858"/>
-            <a:alphaOff val="0"/>
-          </a:schemeClr>
-        </a:solidFill>
-        <a:ln w="15875" cap="flat" cmpd="sng" algn="ctr">
-          <a:solidFill>
-            <a:schemeClr val="accent3">
-              <a:tint val="40000"/>
-              <a:alpha val="90000"/>
-              <a:hueOff val="550030"/>
-              <a:satOff val="6106"/>
-              <a:lumOff val="858"/>
-              <a:alphaOff val="0"/>
-            </a:schemeClr>
-          </a:solidFill>
-          <a:prstDash val="solid"/>
-        </a:ln>
-        <a:effectLst/>
-      </dsp:spPr>
-      <dsp:style>
-        <a:lnRef idx="2">
-          <a:scrgbClr r="0" g="0" b="0"/>
-        </a:lnRef>
-        <a:fillRef idx="1">
-          <a:scrgbClr r="0" g="0" b="0"/>
-        </a:fillRef>
-        <a:effectRef idx="0">
-          <a:scrgbClr r="0" g="0" b="0"/>
-        </a:effectRef>
-        <a:fontRef idx="minor"/>
-      </dsp:style>
-      <dsp:txBody>
-        <a:bodyPr spcFirstLastPara="0" vert="horz" wrap="square" lIns="71120" tIns="12700" rIns="71120" bIns="12700" numCol="1" spcCol="1270" anchor="ctr" anchorCtr="0">
-          <a:noAutofit/>
-        </a:bodyPr>
-        <a:lstStyle/>
-        <a:p>
-          <a:pPr marL="0" lvl="0" indent="0" algn="ctr" defTabSz="444500">
-            <a:lnSpc>
-              <a:spcPct val="90000"/>
-            </a:lnSpc>
-            <a:spcBef>
-              <a:spcPct val="0"/>
-            </a:spcBef>
-            <a:spcAft>
-              <a:spcPct val="35000"/>
-            </a:spcAft>
-            <a:buNone/>
-          </a:pPr>
-          <a:r>
-            <a:rPr lang="en-US" sz="1000" kern="1200" dirty="0"/>
-            <a:t>ML output live analysis</a:t>
-          </a:r>
-        </a:p>
-      </dsp:txBody>
-      <dsp:txXfrm>
-        <a:off x="3699029" y="2276917"/>
-        <a:ext cx="1848159" cy="291724"/>
-      </dsp:txXfrm>
-    </dsp:sp>
-    <dsp:sp modelId="{C2BDE5F3-CD07-4F2A-8E1A-7C891D9233B8}">
-      <dsp:nvSpPr>
-        <dsp:cNvPr id="0" name=""/>
-        <dsp:cNvSpPr/>
-      </dsp:nvSpPr>
-      <dsp:spPr>
-        <a:xfrm rot="10800000">
-          <a:off x="0" y="968305"/>
-          <a:ext cx="5549899" cy="975668"/>
-        </a:xfrm>
-        <a:prstGeom prst="upArrowCallout">
-          <a:avLst/>
-        </a:prstGeom>
-        <a:solidFill>
-          <a:schemeClr val="accent3">
-            <a:hueOff val="701934"/>
-            <a:satOff val="-189"/>
-            <a:lumOff val="5736"/>
-            <a:alphaOff val="0"/>
-          </a:schemeClr>
-        </a:solidFill>
-        <a:ln w="15875" cap="flat" cmpd="sng" algn="ctr">
-          <a:solidFill>
-            <a:schemeClr val="lt1">
-              <a:hueOff val="0"/>
-              <a:satOff val="0"/>
-              <a:lumOff val="0"/>
-              <a:alphaOff val="0"/>
-            </a:schemeClr>
-          </a:solidFill>
-          <a:prstDash val="solid"/>
-        </a:ln>
-        <a:effectLst/>
-      </dsp:spPr>
-      <dsp:style>
-        <a:lnRef idx="2">
-          <a:scrgbClr r="0" g="0" b="0"/>
-        </a:lnRef>
-        <a:fillRef idx="1">
-          <a:scrgbClr r="0" g="0" b="0"/>
-        </a:fillRef>
-        <a:effectRef idx="0">
-          <a:scrgbClr r="0" g="0" b="0"/>
-        </a:effectRef>
-        <a:fontRef idx="minor">
-          <a:schemeClr val="lt1"/>
-        </a:fontRef>
-      </dsp:style>
-      <dsp:txBody>
-        <a:bodyPr spcFirstLastPara="0" vert="horz" wrap="square" lIns="85344" tIns="85344" rIns="85344" bIns="85344" numCol="1" spcCol="1270" anchor="ctr" anchorCtr="0">
-          <a:noAutofit/>
-        </a:bodyPr>
-        <a:lstStyle/>
-        <a:p>
-          <a:pPr marL="0" lvl="0" indent="0" algn="ctr" defTabSz="533400">
-            <a:lnSpc>
-              <a:spcPct val="90000"/>
-            </a:lnSpc>
-            <a:spcBef>
-              <a:spcPct val="0"/>
-            </a:spcBef>
-            <a:spcAft>
-              <a:spcPct val="35000"/>
-            </a:spcAft>
-            <a:buNone/>
-          </a:pPr>
-          <a:r>
-            <a:rPr lang="en-US" sz="1200" kern="1200" dirty="0"/>
-            <a:t>Results After 1 week 10</a:t>
-          </a:r>
-          <a:r>
-            <a:rPr lang="en-US" sz="1200" kern="1200" baseline="30000" dirty="0"/>
-            <a:t>th</a:t>
-          </a:r>
-          <a:r>
-            <a:rPr lang="en-US" sz="1200" kern="1200" dirty="0"/>
-            <a:t>  March 2022 (1 Lead)</a:t>
-          </a:r>
-        </a:p>
-      </dsp:txBody>
-      <dsp:txXfrm rot="-10800000">
-        <a:off x="0" y="968305"/>
-        <a:ext cx="5549899" cy="342459"/>
-      </dsp:txXfrm>
-    </dsp:sp>
-    <dsp:sp modelId="{C8CE4F00-3FBA-4F31-827C-B25B2583799F}">
-      <dsp:nvSpPr>
-        <dsp:cNvPr id="0" name=""/>
-        <dsp:cNvSpPr/>
-      </dsp:nvSpPr>
-      <dsp:spPr>
-        <a:xfrm>
-          <a:off x="0" y="1310764"/>
-          <a:ext cx="5549899" cy="291724"/>
-        </a:xfrm>
-        <a:prstGeom prst="rect">
-          <a:avLst/>
-        </a:prstGeom>
-        <a:solidFill>
-          <a:schemeClr val="accent3">
-            <a:tint val="40000"/>
-            <a:alpha val="90000"/>
-            <a:hueOff val="660036"/>
-            <a:satOff val="7327"/>
-            <a:lumOff val="1030"/>
-            <a:alphaOff val="0"/>
-          </a:schemeClr>
-        </a:solidFill>
-        <a:ln w="15875" cap="flat" cmpd="sng" algn="ctr">
-          <a:solidFill>
-            <a:schemeClr val="accent3">
-              <a:tint val="40000"/>
-              <a:alpha val="90000"/>
-              <a:hueOff val="660036"/>
-              <a:satOff val="7327"/>
-              <a:lumOff val="1030"/>
-              <a:alphaOff val="0"/>
-            </a:schemeClr>
-          </a:solidFill>
-          <a:prstDash val="solid"/>
-        </a:ln>
-        <a:effectLst/>
-      </dsp:spPr>
-      <dsp:style>
-        <a:lnRef idx="2">
-          <a:scrgbClr r="0" g="0" b="0"/>
-        </a:lnRef>
-        <a:fillRef idx="1">
-          <a:scrgbClr r="0" g="0" b="0"/>
-        </a:fillRef>
-        <a:effectRef idx="0">
-          <a:scrgbClr r="0" g="0" b="0"/>
-        </a:effectRef>
-        <a:fontRef idx="minor"/>
-      </dsp:style>
-      <dsp:txBody>
-        <a:bodyPr spcFirstLastPara="0" vert="horz" wrap="square" lIns="71120" tIns="12700" rIns="71120" bIns="12700" numCol="1" spcCol="1270" anchor="ctr" anchorCtr="0">
-          <a:noAutofit/>
-        </a:bodyPr>
-        <a:lstStyle/>
-        <a:p>
-          <a:pPr marL="0" lvl="0" indent="0" algn="ctr" defTabSz="444500">
-            <a:lnSpc>
-              <a:spcPct val="90000"/>
-            </a:lnSpc>
-            <a:spcBef>
-              <a:spcPct val="0"/>
-            </a:spcBef>
-            <a:spcAft>
-              <a:spcPct val="35000"/>
-            </a:spcAft>
-            <a:buNone/>
-          </a:pPr>
-          <a:r>
-            <a:rPr lang="en-US" sz="1000" kern="1200" dirty="0"/>
+            <a:rPr lang="en-US" sz="1600" kern="1200" dirty="0"/>
             <a:t>Data collection</a:t>
           </a:r>
         </a:p>
       </dsp:txBody>
       <dsp:txXfrm>
-        <a:off x="0" y="1310764"/>
-        <a:ext cx="5549899" cy="291724"/>
+        <a:off x="0" y="2295969"/>
+        <a:ext cx="5549899" cy="511655"/>
       </dsp:txXfrm>
     </dsp:sp>
     <dsp:sp modelId="{A48265CE-F3A3-46DB-9DD2-97590B4DBB84}">
@@ -5397,8 +4808,8 @@
       </dsp:nvSpPr>
       <dsp:spPr>
         <a:xfrm rot="10800000">
-          <a:off x="0" y="2152"/>
-          <a:ext cx="5549899" cy="975668"/>
+          <a:off x="0" y="795"/>
+          <a:ext cx="5549899" cy="1711223"/>
         </a:xfrm>
         <a:prstGeom prst="upArrowCallout">
           <a:avLst/>
@@ -5439,12 +4850,12 @@
         </a:fontRef>
       </dsp:style>
       <dsp:txBody>
-        <a:bodyPr spcFirstLastPara="0" vert="horz" wrap="square" lIns="85344" tIns="85344" rIns="85344" bIns="85344" numCol="1" spcCol="1270" anchor="ctr" anchorCtr="0">
+        <a:bodyPr spcFirstLastPara="0" vert="horz" wrap="square" lIns="149352" tIns="149352" rIns="149352" bIns="149352" numCol="1" spcCol="1270" anchor="ctr" anchorCtr="0">
           <a:noAutofit/>
         </a:bodyPr>
         <a:lstStyle/>
         <a:p>
-          <a:pPr marL="0" lvl="0" indent="0" algn="ctr" defTabSz="533400">
+          <a:pPr marL="0" lvl="0" indent="0" algn="ctr" defTabSz="933450">
             <a:lnSpc>
               <a:spcPct val="90000"/>
             </a:lnSpc>
@@ -5457,22 +4868,22 @@
             <a:buNone/>
           </a:pPr>
           <a:r>
-            <a:rPr lang="en-US" sz="1200" kern="1200" dirty="0"/>
+            <a:rPr lang="en-US" sz="2100" kern="1200" dirty="0"/>
             <a:t>Results till 27</a:t>
           </a:r>
           <a:r>
-            <a:rPr lang="en-US" sz="1200" kern="1200" baseline="30000" dirty="0"/>
+            <a:rPr lang="en-US" sz="2100" kern="1200" baseline="30000" dirty="0"/>
             <a:t>th</a:t>
           </a:r>
           <a:r>
-            <a:rPr lang="en-US" sz="1200" kern="1200" dirty="0"/>
+            <a:rPr lang="en-US" sz="2100" kern="1200" dirty="0"/>
             <a:t> Feb 2022 (1 Lead)</a:t>
           </a:r>
         </a:p>
       </dsp:txBody>
       <dsp:txXfrm rot="-10800000">
-        <a:off x="0" y="2152"/>
-        <a:ext cx="5549899" cy="342459"/>
+        <a:off x="0" y="795"/>
+        <a:ext cx="5549899" cy="600639"/>
       </dsp:txXfrm>
     </dsp:sp>
     <dsp:sp modelId="{59FFE57C-E5F2-4FBD-AA4D-8DB27381892F}">
@@ -5482,8 +4893,8 @@
       </dsp:nvSpPr>
       <dsp:spPr>
         <a:xfrm>
-          <a:off x="0" y="344612"/>
-          <a:ext cx="1387474" cy="291724"/>
+          <a:off x="0" y="601435"/>
+          <a:ext cx="1387474" cy="511655"/>
         </a:xfrm>
         <a:prstGeom prst="rect">
           <a:avLst/>
@@ -5492,9 +4903,9 @@
           <a:schemeClr val="accent3">
             <a:tint val="40000"/>
             <a:alpha val="90000"/>
-            <a:hueOff val="770041"/>
-            <a:satOff val="8548"/>
-            <a:lumOff val="1201"/>
+            <a:hueOff val="628605"/>
+            <a:satOff val="6978"/>
+            <a:lumOff val="981"/>
             <a:alphaOff val="0"/>
           </a:schemeClr>
         </a:solidFill>
@@ -5503,9 +4914,9 @@
             <a:schemeClr val="accent3">
               <a:tint val="40000"/>
               <a:alpha val="90000"/>
-              <a:hueOff val="770041"/>
-              <a:satOff val="8548"/>
-              <a:lumOff val="1201"/>
+              <a:hueOff val="628605"/>
+              <a:satOff val="6978"/>
+              <a:lumOff val="981"/>
               <a:alphaOff val="0"/>
             </a:schemeClr>
           </a:solidFill>
@@ -5526,12 +4937,12 @@
         <a:fontRef idx="minor"/>
       </dsp:style>
       <dsp:txBody>
-        <a:bodyPr spcFirstLastPara="0" vert="horz" wrap="square" lIns="71120" tIns="12700" rIns="71120" bIns="12700" numCol="1" spcCol="1270" anchor="ctr" anchorCtr="0">
+        <a:bodyPr spcFirstLastPara="0" vert="horz" wrap="square" lIns="113792" tIns="20320" rIns="113792" bIns="20320" numCol="1" spcCol="1270" anchor="ctr" anchorCtr="0">
           <a:noAutofit/>
         </a:bodyPr>
         <a:lstStyle/>
         <a:p>
-          <a:pPr marL="0" lvl="0" indent="0" algn="ctr" defTabSz="444500">
+          <a:pPr marL="0" lvl="0" indent="0" algn="ctr" defTabSz="711200">
             <a:lnSpc>
               <a:spcPct val="90000"/>
             </a:lnSpc>
@@ -5544,14 +4955,14 @@
             <a:buNone/>
           </a:pPr>
           <a:r>
-            <a:rPr lang="en-US" sz="1000" kern="1200" dirty="0"/>
+            <a:rPr lang="en-US" sz="1600" kern="1200" dirty="0"/>
             <a:t>Device Buy</a:t>
           </a:r>
         </a:p>
       </dsp:txBody>
       <dsp:txXfrm>
-        <a:off x="0" y="344612"/>
-        <a:ext cx="1387474" cy="291724"/>
+        <a:off x="0" y="601435"/>
+        <a:ext cx="1387474" cy="511655"/>
       </dsp:txXfrm>
     </dsp:sp>
     <dsp:sp modelId="{0CC74B02-F9A8-40D9-BF66-071EFBDC8A5D}">
@@ -5561,8 +4972,8 @@
       </dsp:nvSpPr>
       <dsp:spPr>
         <a:xfrm>
-          <a:off x="1387474" y="344612"/>
-          <a:ext cx="1387474" cy="291724"/>
+          <a:off x="1387474" y="601435"/>
+          <a:ext cx="1387474" cy="511655"/>
         </a:xfrm>
         <a:prstGeom prst="rect">
           <a:avLst/>
@@ -5571,9 +4982,9 @@
           <a:schemeClr val="accent3">
             <a:tint val="40000"/>
             <a:alpha val="90000"/>
-            <a:hueOff val="880047"/>
-            <a:satOff val="9770"/>
-            <a:lumOff val="1373"/>
+            <a:hueOff val="785757"/>
+            <a:satOff val="8723"/>
+            <a:lumOff val="1226"/>
             <a:alphaOff val="0"/>
           </a:schemeClr>
         </a:solidFill>
@@ -5582,9 +4993,9 @@
             <a:schemeClr val="accent3">
               <a:tint val="40000"/>
               <a:alpha val="90000"/>
-              <a:hueOff val="880047"/>
-              <a:satOff val="9770"/>
-              <a:lumOff val="1373"/>
+              <a:hueOff val="785757"/>
+              <a:satOff val="8723"/>
+              <a:lumOff val="1226"/>
               <a:alphaOff val="0"/>
             </a:schemeClr>
           </a:solidFill>
@@ -5605,12 +5016,12 @@
         <a:fontRef idx="minor"/>
       </dsp:style>
       <dsp:txBody>
-        <a:bodyPr spcFirstLastPara="0" vert="horz" wrap="square" lIns="71120" tIns="12700" rIns="71120" bIns="12700" numCol="1" spcCol="1270" anchor="ctr" anchorCtr="0">
+        <a:bodyPr spcFirstLastPara="0" vert="horz" wrap="square" lIns="113792" tIns="20320" rIns="113792" bIns="20320" numCol="1" spcCol="1270" anchor="ctr" anchorCtr="0">
           <a:noAutofit/>
         </a:bodyPr>
         <a:lstStyle/>
         <a:p>
-          <a:pPr marL="0" lvl="0" indent="0" algn="ctr" defTabSz="444500">
+          <a:pPr marL="0" lvl="0" indent="0" algn="ctr" defTabSz="711200">
             <a:lnSpc>
               <a:spcPct val="90000"/>
             </a:lnSpc>
@@ -5623,14 +5034,14 @@
             <a:buNone/>
           </a:pPr>
           <a:r>
-            <a:rPr lang="en-US" sz="1000" kern="1200" dirty="0"/>
+            <a:rPr lang="en-US" sz="1600" kern="1200" dirty="0"/>
             <a:t>Devices Setup 1 Lead</a:t>
           </a:r>
         </a:p>
       </dsp:txBody>
       <dsp:txXfrm>
-        <a:off x="1387474" y="344612"/>
-        <a:ext cx="1387474" cy="291724"/>
+        <a:off x="1387474" y="601435"/>
+        <a:ext cx="1387474" cy="511655"/>
       </dsp:txXfrm>
     </dsp:sp>
     <dsp:sp modelId="{A9D7D640-316B-4E61-8DC9-4064B0EE9557}">
@@ -5640,8 +5051,8 @@
       </dsp:nvSpPr>
       <dsp:spPr>
         <a:xfrm>
-          <a:off x="2774949" y="344612"/>
-          <a:ext cx="1387474" cy="291724"/>
+          <a:off x="2774949" y="601435"/>
+          <a:ext cx="1387474" cy="511655"/>
         </a:xfrm>
         <a:prstGeom prst="rect">
           <a:avLst/>
@@ -5650,9 +5061,9 @@
           <a:schemeClr val="accent3">
             <a:tint val="40000"/>
             <a:alpha val="90000"/>
-            <a:hueOff val="990053"/>
-            <a:satOff val="10991"/>
-            <a:lumOff val="1544"/>
+            <a:hueOff val="942908"/>
+            <a:satOff val="10467"/>
+            <a:lumOff val="1471"/>
             <a:alphaOff val="0"/>
           </a:schemeClr>
         </a:solidFill>
@@ -5661,9 +5072,9 @@
             <a:schemeClr val="accent3">
               <a:tint val="40000"/>
               <a:alpha val="90000"/>
-              <a:hueOff val="990053"/>
-              <a:satOff val="10991"/>
-              <a:lumOff val="1544"/>
+              <a:hueOff val="942908"/>
+              <a:satOff val="10467"/>
+              <a:lumOff val="1471"/>
               <a:alphaOff val="0"/>
             </a:schemeClr>
           </a:solidFill>
@@ -5684,12 +5095,12 @@
         <a:fontRef idx="minor"/>
       </dsp:style>
       <dsp:txBody>
-        <a:bodyPr spcFirstLastPara="0" vert="horz" wrap="square" lIns="71120" tIns="12700" rIns="71120" bIns="12700" numCol="1" spcCol="1270" anchor="ctr" anchorCtr="0">
+        <a:bodyPr spcFirstLastPara="0" vert="horz" wrap="square" lIns="113792" tIns="20320" rIns="113792" bIns="20320" numCol="1" spcCol="1270" anchor="ctr" anchorCtr="0">
           <a:noAutofit/>
         </a:bodyPr>
         <a:lstStyle/>
         <a:p>
-          <a:pPr marL="0" lvl="0" indent="0" algn="ctr" defTabSz="444500">
+          <a:pPr marL="0" lvl="0" indent="0" algn="ctr" defTabSz="711200">
             <a:lnSpc>
               <a:spcPct val="90000"/>
             </a:lnSpc>
@@ -5702,14 +5113,14 @@
             <a:buNone/>
           </a:pPr>
           <a:r>
-            <a:rPr lang="en-US" sz="1000" kern="1200" dirty="0"/>
+            <a:rPr lang="en-US" sz="1600" kern="1200" dirty="0"/>
             <a:t>Code Hardware</a:t>
           </a:r>
         </a:p>
       </dsp:txBody>
       <dsp:txXfrm>
-        <a:off x="2774949" y="344612"/>
-        <a:ext cx="1387474" cy="291724"/>
+        <a:off x="2774949" y="601435"/>
+        <a:ext cx="1387474" cy="511655"/>
       </dsp:txXfrm>
     </dsp:sp>
     <dsp:sp modelId="{02AED74B-F4B0-4D1E-93D6-31DABD502BE2}">
@@ -5719,8 +5130,8 @@
       </dsp:nvSpPr>
       <dsp:spPr>
         <a:xfrm>
-          <a:off x="4162424" y="344612"/>
-          <a:ext cx="1387474" cy="291724"/>
+          <a:off x="4162424" y="601435"/>
+          <a:ext cx="1387474" cy="511655"/>
         </a:xfrm>
         <a:prstGeom prst="rect">
           <a:avLst/>
@@ -5763,12 +5174,12 @@
         <a:fontRef idx="minor"/>
       </dsp:style>
       <dsp:txBody>
-        <a:bodyPr spcFirstLastPara="0" vert="horz" wrap="square" lIns="71120" tIns="12700" rIns="71120" bIns="12700" numCol="1" spcCol="1270" anchor="ctr" anchorCtr="0">
+        <a:bodyPr spcFirstLastPara="0" vert="horz" wrap="square" lIns="113792" tIns="20320" rIns="113792" bIns="20320" numCol="1" spcCol="1270" anchor="ctr" anchorCtr="0">
           <a:noAutofit/>
         </a:bodyPr>
         <a:lstStyle/>
         <a:p>
-          <a:pPr marL="0" lvl="0" indent="0" algn="ctr" defTabSz="444500">
+          <a:pPr marL="0" lvl="0" indent="0" algn="ctr" defTabSz="711200">
             <a:lnSpc>
               <a:spcPct val="90000"/>
             </a:lnSpc>
@@ -5781,14 +5192,14 @@
             <a:buNone/>
           </a:pPr>
           <a:r>
-            <a:rPr lang="en-US" sz="1000" kern="1200" dirty="0"/>
+            <a:rPr lang="en-US" sz="1600" kern="1200" dirty="0"/>
             <a:t>First ECG</a:t>
           </a:r>
         </a:p>
       </dsp:txBody>
       <dsp:txXfrm>
-        <a:off x="4162424" y="344612"/>
-        <a:ext cx="1387474" cy="291724"/>
+        <a:off x="4162424" y="601435"/>
+        <a:ext cx="1387474" cy="511655"/>
       </dsp:txXfrm>
     </dsp:sp>
   </dsp:spTree>
@@ -7408,7 +6819,7 @@
           <a:p>
             <a:fld id="{BCC64702-7F25-43FA-85BD-484B2191CD68}" type="datetimeFigureOut">
               <a:rPr lang="en-IN" smtClean="0"/>
-              <a:t>02-02-2022</a:t>
+              <a:t>04-02-2022</a:t>
             </a:fld>
             <a:endParaRPr lang="en-IN" dirty="0"/>
           </a:p>
@@ -7616,7 +7027,7 @@
           <a:p>
             <a:fld id="{BCC64702-7F25-43FA-85BD-484B2191CD68}" type="datetimeFigureOut">
               <a:rPr lang="en-IN" smtClean="0"/>
-              <a:t>02-02-2022</a:t>
+              <a:t>04-02-2022</a:t>
             </a:fld>
             <a:endParaRPr lang="en-IN" dirty="0"/>
           </a:p>
@@ -7872,7 +7283,7 @@
           <a:p>
             <a:fld id="{BCC64702-7F25-43FA-85BD-484B2191CD68}" type="datetimeFigureOut">
               <a:rPr lang="en-IN" smtClean="0"/>
-              <a:t>02-02-2022</a:t>
+              <a:t>04-02-2022</a:t>
             </a:fld>
             <a:endParaRPr lang="en-IN" dirty="0"/>
           </a:p>
@@ -8042,7 +7453,7 @@
           <a:p>
             <a:fld id="{BCC64702-7F25-43FA-85BD-484B2191CD68}" type="datetimeFigureOut">
               <a:rPr lang="en-IN" smtClean="0"/>
-              <a:t>02-02-2022</a:t>
+              <a:t>04-02-2022</a:t>
             </a:fld>
             <a:endParaRPr lang="en-IN" dirty="0"/>
           </a:p>
@@ -8385,7 +7796,7 @@
           <a:p>
             <a:fld id="{BCC64702-7F25-43FA-85BD-484B2191CD68}" type="datetimeFigureOut">
               <a:rPr lang="en-IN" smtClean="0"/>
-              <a:t>02-02-2022</a:t>
+              <a:t>04-02-2022</a:t>
             </a:fld>
             <a:endParaRPr lang="en-IN" dirty="0"/>
           </a:p>
@@ -8660,7 +8071,7 @@
           <a:p>
             <a:fld id="{BCC64702-7F25-43FA-85BD-484B2191CD68}" type="datetimeFigureOut">
               <a:rPr lang="en-IN" smtClean="0"/>
-              <a:t>02-02-2022</a:t>
+              <a:t>04-02-2022</a:t>
             </a:fld>
             <a:endParaRPr lang="en-IN" dirty="0"/>
           </a:p>
@@ -9039,7 +8450,7 @@
           <a:p>
             <a:fld id="{BCC64702-7F25-43FA-85BD-484B2191CD68}" type="datetimeFigureOut">
               <a:rPr lang="en-IN" smtClean="0"/>
-              <a:t>02-02-2022</a:t>
+              <a:t>04-02-2022</a:t>
             </a:fld>
             <a:endParaRPr lang="en-IN" dirty="0"/>
           </a:p>
@@ -9157,7 +8568,7 @@
           <a:p>
             <a:fld id="{BCC64702-7F25-43FA-85BD-484B2191CD68}" type="datetimeFigureOut">
               <a:rPr lang="en-IN" smtClean="0"/>
-              <a:t>02-02-2022</a:t>
+              <a:t>04-02-2022</a:t>
             </a:fld>
             <a:endParaRPr lang="en-IN" dirty="0"/>
           </a:p>
@@ -9328,7 +8739,7 @@
           <a:p>
             <a:fld id="{BCC64702-7F25-43FA-85BD-484B2191CD68}" type="datetimeFigureOut">
               <a:rPr lang="en-IN" smtClean="0"/>
-              <a:t>02-02-2022</a:t>
+              <a:t>04-02-2022</a:t>
             </a:fld>
             <a:endParaRPr lang="en-IN" dirty="0"/>
           </a:p>
@@ -9682,7 +9093,7 @@
           <a:p>
             <a:fld id="{BCC64702-7F25-43FA-85BD-484B2191CD68}" type="datetimeFigureOut">
               <a:rPr lang="en-IN" smtClean="0"/>
-              <a:t>02-02-2022</a:t>
+              <a:t>04-02-2022</a:t>
             </a:fld>
             <a:endParaRPr lang="en-IN" dirty="0"/>
           </a:p>
@@ -10058,7 +9469,7 @@
           <a:p>
             <a:fld id="{BCC64702-7F25-43FA-85BD-484B2191CD68}" type="datetimeFigureOut">
               <a:rPr lang="en-IN" smtClean="0"/>
-              <a:t>02-02-2022</a:t>
+              <a:t>04-02-2022</a:t>
             </a:fld>
             <a:endParaRPr lang="en-IN" dirty="0"/>
           </a:p>
@@ -10345,7 +9756,7 @@
           <a:p>
             <a:fld id="{BCC64702-7F25-43FA-85BD-484B2191CD68}" type="datetimeFigureOut">
               <a:rPr lang="en-IN" smtClean="0"/>
-              <a:t>02-02-2022</a:t>
+              <a:t>04-02-2022</a:t>
             </a:fld>
             <a:endParaRPr lang="en-IN" dirty="0"/>
           </a:p>
@@ -11307,6 +10718,120 @@
           </a:p>
         </p:txBody>
       </p:sp>
+      <p:pic>
+        <p:nvPicPr>
+          <p:cNvPr id="5" name="Picture 4" descr="Sending Mobile Notification Alert for Fire using Raspberry Pi and Blynk -  IoT">
+            <a:extLst>
+              <a:ext uri="{FF2B5EF4-FFF2-40B4-BE49-F238E27FC236}">
+                <a16:creationId xmlns:a16="http://schemas.microsoft.com/office/drawing/2014/main" id="{E3CEDB65-66E3-4FA6-8711-0D362DF9968C}"/>
+              </a:ext>
+            </a:extLst>
+          </p:cNvPr>
+          <p:cNvPicPr>
+            <a:picLocks noChangeAspect="1" noChangeArrowheads="1"/>
+          </p:cNvPicPr>
+          <p:nvPr/>
+        </p:nvPicPr>
+        <p:blipFill rotWithShape="1">
+          <a:blip r:embed="rId4">
+            <a:extLst>
+              <a:ext uri="{28A0092B-C50C-407E-A947-70E740481C1C}">
+                <a14:useLocalDpi xmlns:a14="http://schemas.microsoft.com/office/drawing/2010/main" val="0"/>
+              </a:ext>
+            </a:extLst>
+          </a:blip>
+          <a:srcRect l="12289" r="39141"/>
+          <a:stretch/>
+        </p:blipFill>
+        <p:spPr bwMode="auto">
+          <a:xfrm>
+            <a:off x="12915755" y="2305049"/>
+            <a:ext cx="2742565" cy="3385091"/>
+          </a:xfrm>
+          <a:prstGeom prst="rect">
+            <a:avLst/>
+          </a:prstGeom>
+          <a:noFill/>
+          <a:extLst>
+            <a:ext uri="{909E8E84-426E-40DD-AFC4-6F175D3DCCD1}">
+              <a14:hiddenFill xmlns:a14="http://schemas.microsoft.com/office/drawing/2010/main">
+                <a:solidFill>
+                  <a:srgbClr val="FFFFFF"/>
+                </a:solidFill>
+              </a14:hiddenFill>
+            </a:ext>
+          </a:extLst>
+        </p:spPr>
+      </p:pic>
+      <p:graphicFrame>
+        <p:nvGraphicFramePr>
+          <p:cNvPr id="6" name="Object 5">
+            <a:extLst>
+              <a:ext uri="{FF2B5EF4-FFF2-40B4-BE49-F238E27FC236}">
+                <a16:creationId xmlns:a16="http://schemas.microsoft.com/office/drawing/2014/main" id="{E344EBA1-2ADA-46A2-852F-3745C63FCE86}"/>
+              </a:ext>
+            </a:extLst>
+          </p:cNvPr>
+          <p:cNvGraphicFramePr>
+            <a:graphicFrameLocks noChangeAspect="1"/>
+          </p:cNvGraphicFramePr>
+          <p:nvPr>
+            <p:extLst>
+              <p:ext uri="{D42A27DB-BD31-4B8C-83A1-F6EECF244321}">
+                <p14:modId xmlns:p14="http://schemas.microsoft.com/office/powerpoint/2010/main" val="1350057374"/>
+              </p:ext>
+            </p:extLst>
+          </p:nvPr>
+        </p:nvGraphicFramePr>
+        <p:xfrm>
+          <a:off x="-8993023" y="2138852"/>
+          <a:ext cx="8803454" cy="3838263"/>
+        </p:xfrm>
+        <a:graphic>
+          <a:graphicData uri="http://schemas.openxmlformats.org/presentationml/2006/ole">
+            <mc:AlternateContent xmlns:mc="http://schemas.openxmlformats.org/markup-compatibility/2006">
+              <mc:Choice xmlns:v="urn:schemas-microsoft-com:vml" Requires="v">
+                <p:oleObj name="Bitmap Image" r:id="rId5" imgW="6660000" imgH="2903400" progId="Paint.Picture">
+                  <p:embed/>
+                </p:oleObj>
+              </mc:Choice>
+              <mc:Fallback>
+                <p:oleObj name="Bitmap Image" r:id="rId5" imgW="6660000" imgH="2903400" progId="Paint.Picture">
+                  <p:embed/>
+                  <p:pic>
+                    <p:nvPicPr>
+                      <p:cNvPr id="6" name="Object 5">
+                        <a:extLst>
+                          <a:ext uri="{FF2B5EF4-FFF2-40B4-BE49-F238E27FC236}">
+                            <a16:creationId xmlns:a16="http://schemas.microsoft.com/office/drawing/2014/main" id="{E344EBA1-2ADA-46A2-852F-3745C63FCE86}"/>
+                          </a:ext>
+                        </a:extLst>
+                      </p:cNvPr>
+                      <p:cNvPicPr/>
+                      <p:nvPr/>
+                    </p:nvPicPr>
+                    <p:blipFill>
+                      <a:blip r:embed="rId6"/>
+                      <a:stretch>
+                        <a:fillRect/>
+                      </a:stretch>
+                    </p:blipFill>
+                    <p:spPr>
+                      <a:xfrm>
+                        <a:off x="-8993023" y="2138852"/>
+                        <a:ext cx="8803454" cy="3838263"/>
+                      </a:xfrm>
+                      <a:prstGeom prst="rect">
+                        <a:avLst/>
+                      </a:prstGeom>
+                    </p:spPr>
+                  </p:pic>
+                </p:oleObj>
+              </mc:Fallback>
+            </mc:AlternateContent>
+          </a:graphicData>
+        </a:graphic>
+      </p:graphicFrame>
     </p:spTree>
     <p:extLst>
       <p:ext uri="{BB962C8B-B14F-4D97-AF65-F5344CB8AC3E}">
@@ -11317,6 +10842,18 @@
   <p:clrMapOvr>
     <a:masterClrMapping/>
   </p:clrMapOvr>
+  <mc:AlternateContent xmlns:mc="http://schemas.openxmlformats.org/markup-compatibility/2006">
+    <mc:Choice xmlns:p159="http://schemas.microsoft.com/office/powerpoint/2015/09/main" Requires="p159">
+      <p:transition xmlns:p14="http://schemas.microsoft.com/office/powerpoint/2010/main" spd="slow" p14:dur="2000">
+        <p159:morph option="byObject"/>
+      </p:transition>
+    </mc:Choice>
+    <mc:Fallback>
+      <p:transition spd="slow">
+        <p:fade/>
+      </p:transition>
+    </mc:Fallback>
+  </mc:AlternateContent>
 </p:sld>
 </file>
 
@@ -11482,7 +11019,7 @@
           <p:nvPr>
             <p:extLst>
               <p:ext uri="{D42A27DB-BD31-4B8C-83A1-F6EECF244321}">
-                <p14:modId xmlns:p14="http://schemas.microsoft.com/office/powerpoint/2010/main" val="3142837387"/>
+                <p14:modId xmlns:p14="http://schemas.microsoft.com/office/powerpoint/2010/main" val="1737297640"/>
               </p:ext>
             </p:extLst>
           </p:nvPr>
@@ -11536,6 +11073,130 @@
           </a:graphicData>
         </a:graphic>
       </p:graphicFrame>
+      <mc:AlternateContent xmlns:mc="http://schemas.openxmlformats.org/markup-compatibility/2006">
+        <mc:Choice xmlns:am3d="http://schemas.microsoft.com/office/drawing/2017/model3d" Requires="am3d">
+          <p:graphicFrame>
+            <p:nvGraphicFramePr>
+              <p:cNvPr id="9" name="3D Model 8">
+                <a:extLst>
+                  <a:ext uri="{FF2B5EF4-FFF2-40B4-BE49-F238E27FC236}">
+                    <a16:creationId xmlns:a16="http://schemas.microsoft.com/office/drawing/2014/main" id="{66731255-D364-4E75-83FA-3E1D9624BDD7}"/>
+                  </a:ext>
+                </a:extLst>
+              </p:cNvPr>
+              <p:cNvGraphicFramePr>
+                <a:graphicFrameLocks noChangeAspect="1"/>
+              </p:cNvGraphicFramePr>
+              <p:nvPr>
+                <p:extLst>
+                  <p:ext uri="{D42A27DB-BD31-4B8C-83A1-F6EECF244321}">
+                    <p14:modId xmlns:p14="http://schemas.microsoft.com/office/powerpoint/2010/main" val="319963138"/>
+                  </p:ext>
+                </p:extLst>
+              </p:nvPr>
+            </p:nvGraphicFramePr>
+            <p:xfrm rot="16200000">
+              <a:off x="13206425" y="1151815"/>
+              <a:ext cx="2999788" cy="4554367"/>
+            </p:xfrm>
+            <a:graphic>
+              <a:graphicData uri="http://schemas.microsoft.com/office/drawing/2017/model3d">
+                <am3d:model3d r:embed="rId5">
+                  <am3d:spPr>
+                    <a:xfrm rot="16200000">
+                      <a:off x="0" y="0"/>
+                      <a:ext cx="2999788" cy="4554367"/>
+                    </a:xfrm>
+                    <a:prstGeom prst="rect">
+                      <a:avLst/>
+                    </a:prstGeom>
+                  </am3d:spPr>
+                  <am3d:camera>
+                    <am3d:pos x="0" y="0" z="57317420"/>
+                    <am3d:up dx="0" dy="36000000" dz="0"/>
+                    <am3d:lookAt x="0" y="0" z="0"/>
+                    <am3d:perspective fov="2700000"/>
+                  </am3d:camera>
+                  <am3d:trans>
+                    <am3d:meterPerModelUnit n="5847" d="1000000"/>
+                    <am3d:preTrans dx="0" dy="-526315" dz="-3789473"/>
+                    <am3d:scale>
+                      <am3d:sx n="1000000" d="1000000"/>
+                      <am3d:sy n="1000000" d="1000000"/>
+                      <am3d:sz n="1000000" d="1000000"/>
+                    </am3d:scale>
+                    <am3d:rot ax="2707315" ay="2162013" az="1834397"/>
+                    <am3d:postTrans dx="0" dy="0" dz="0"/>
+                  </am3d:trans>
+                  <am3d:raster rName="Office3DRenderer" rVer="16.0.8326">
+                    <am3d:blip r:embed="rId6"/>
+                  </am3d:raster>
+                  <am3d:objViewport viewportSz="5418665"/>
+                  <am3d:ambientLight>
+                    <am3d:clr>
+                      <a:scrgbClr r="50000" g="50000" b="50000"/>
+                    </am3d:clr>
+                    <am3d:illuminance n="500000" d="1000000"/>
+                  </am3d:ambientLight>
+                  <am3d:ptLight rad="0">
+                    <am3d:clr>
+                      <a:scrgbClr r="100000" g="75000" b="50000"/>
+                    </am3d:clr>
+                    <am3d:intensity n="9765625" d="1000000"/>
+                    <am3d:pos x="21959998" y="70920001" z="16344003"/>
+                  </am3d:ptLight>
+                  <am3d:ptLight rad="0">
+                    <am3d:clr>
+                      <a:scrgbClr r="40000" g="60000" b="95000"/>
+                    </am3d:clr>
+                    <am3d:intensity n="12250000" d="1000000"/>
+                    <am3d:pos x="-37964106" y="51130435" z="57631972"/>
+                  </am3d:ptLight>
+                  <am3d:ptLight rad="0">
+                    <am3d:clr>
+                      <a:scrgbClr r="86837" g="72700" b="100000"/>
+                    </am3d:clr>
+                    <am3d:intensity n="3125000" d="1000000"/>
+                    <am3d:pos x="-37739122" y="58056624" z="-34769649"/>
+                  </am3d:ptLight>
+                </am3d:model3d>
+              </a:graphicData>
+            </a:graphic>
+          </p:graphicFrame>
+        </mc:Choice>
+        <mc:Fallback>
+          <p:pic>
+            <p:nvPicPr>
+              <p:cNvPr id="9" name="3D Model 8">
+                <a:extLst>
+                  <a:ext uri="{FF2B5EF4-FFF2-40B4-BE49-F238E27FC236}">
+                    <a16:creationId xmlns:a16="http://schemas.microsoft.com/office/drawing/2014/main" id="{66731255-D364-4E75-83FA-3E1D9624BDD7}"/>
+                  </a:ext>
+                </a:extLst>
+              </p:cNvPr>
+              <p:cNvPicPr>
+                <a:picLocks noGrp="1" noRot="1" noChangeAspect="1" noMove="1" noResize="1" noEditPoints="1" noAdjustHandles="1" noChangeArrowheads="1" noChangeShapeType="1" noCrop="1"/>
+              </p:cNvPicPr>
+              <p:nvPr/>
+            </p:nvPicPr>
+            <p:blipFill>
+              <a:blip r:embed="rId6"/>
+              <a:stretch>
+                <a:fillRect/>
+              </a:stretch>
+            </p:blipFill>
+            <p:spPr>
+              <a:xfrm rot="16200000">
+                <a:off x="13206425" y="1151815"/>
+                <a:ext cx="2999788" cy="4554367"/>
+              </a:xfrm>
+              <a:prstGeom prst="rect">
+                <a:avLst/>
+              </a:prstGeom>
+            </p:spPr>
+          </p:pic>
+        </mc:Fallback>
+      </mc:AlternateContent>
     </p:spTree>
     <p:extLst>
       <p:ext uri="{BB962C8B-B14F-4D97-AF65-F5344CB8AC3E}">
@@ -11546,6 +11207,18 @@
   <p:clrMapOvr>
     <a:masterClrMapping/>
   </p:clrMapOvr>
+  <mc:AlternateContent xmlns:mc="http://schemas.openxmlformats.org/markup-compatibility/2006">
+    <mc:Choice xmlns:p159="http://schemas.microsoft.com/office/powerpoint/2015/09/main" Requires="p159">
+      <p:transition xmlns:p14="http://schemas.microsoft.com/office/powerpoint/2010/main" spd="slow" p14:dur="2000">
+        <p159:morph option="byObject"/>
+      </p:transition>
+    </mc:Choice>
+    <mc:Fallback>
+      <p:transition spd="slow">
+        <p:fade/>
+      </p:transition>
+    </mc:Fallback>
+  </mc:AlternateContent>
 </p:sld>
 </file>
 
@@ -11568,10 +11241,10 @@
       </p:grpSpPr>
       <p:sp>
         <p:nvSpPr>
-          <p:cNvPr id="4" name="Title 1">
+          <p:cNvPr id="2" name="Title 1">
             <a:extLst>
               <a:ext uri="{FF2B5EF4-FFF2-40B4-BE49-F238E27FC236}">
-                <a16:creationId xmlns:a16="http://schemas.microsoft.com/office/drawing/2014/main" id="{FDC93897-E789-49E5-A950-B3CF3804A313}"/>
+                <a16:creationId xmlns:a16="http://schemas.microsoft.com/office/drawing/2014/main" id="{564256DA-D143-401A-96B2-F1EDC667D5A7}"/>
               </a:ext>
             </a:extLst>
           </p:cNvPr>
@@ -11582,126 +11255,335 @@
             <p:ph type="title"/>
           </p:nvPr>
         </p:nvSpPr>
-        <p:spPr>
-          <a:xfrm>
-            <a:off x="1096963" y="287338"/>
-            <a:ext cx="10058400" cy="1449387"/>
-          </a:xfrm>
-        </p:spPr>
+        <p:spPr/>
         <p:txBody>
-          <a:bodyPr>
-            <a:normAutofit/>
-          </a:bodyPr>
+          <a:bodyPr/>
           <a:lstStyle/>
           <a:p>
             <a:r>
-              <a:rPr lang="en-US" sz="6000" dirty="0">
+              <a:rPr lang="en-US" sz="5400" dirty="0">
                 <a:solidFill>
                   <a:schemeClr val="bg2">
                     <a:lumMod val="25000"/>
                   </a:schemeClr>
                 </a:solidFill>
               </a:rPr>
-              <a:t>Data Collection</a:t>
-            </a:r>
-            <a:endParaRPr lang="en-US" sz="5400" dirty="0"/>
+              <a:t>Black Box</a:t>
+            </a:r>
+            <a:r>
+              <a:rPr lang="en-US" sz="4800" dirty="0">
+                <a:solidFill>
+                  <a:schemeClr val="bg2">
+                    <a:lumMod val="25000"/>
+                  </a:schemeClr>
+                </a:solidFill>
+              </a:rPr>
+              <a:t> (Prototype)</a:t>
+            </a:r>
+            <a:endParaRPr lang="en-US" dirty="0"/>
           </a:p>
         </p:txBody>
       </p:sp>
-      <p:sp>
-        <p:nvSpPr>
-          <p:cNvPr id="3" name="Content Placeholder 2">
+      <p:pic>
+        <p:nvPicPr>
+          <p:cNvPr id="2052" name="Picture 4" descr="Sending Mobile Notification Alert for Fire using Raspberry Pi and Blynk -  IoT">
             <a:extLst>
               <a:ext uri="{FF2B5EF4-FFF2-40B4-BE49-F238E27FC236}">
-                <a16:creationId xmlns:a16="http://schemas.microsoft.com/office/drawing/2014/main" id="{6A271D0B-E7F6-41D5-864C-4C1570E92982}"/>
+                <a16:creationId xmlns:a16="http://schemas.microsoft.com/office/drawing/2014/main" id="{2E2A5450-7988-49E2-9A29-5FF74D2830D0}"/>
               </a:ext>
             </a:extLst>
           </p:cNvPr>
-          <p:cNvSpPr>
-            <a:spLocks noGrp="1"/>
-          </p:cNvSpPr>
-          <p:nvPr>
-            <p:ph idx="1"/>
-          </p:nvPr>
+          <p:cNvPicPr>
+            <a:picLocks noChangeAspect="1" noChangeArrowheads="1"/>
+          </p:cNvPicPr>
+          <p:nvPr/>
+        </p:nvPicPr>
+        <p:blipFill rotWithShape="1">
+          <a:blip r:embed="rId2">
+            <a:extLst>
+              <a:ext uri="{28A0092B-C50C-407E-A947-70E740481C1C}">
+                <a14:useLocalDpi xmlns:a14="http://schemas.microsoft.com/office/drawing/2010/main" val="0"/>
+              </a:ext>
+            </a:extLst>
+          </a:blip>
+          <a:srcRect l="12289" r="39141"/>
+          <a:stretch/>
+        </p:blipFill>
+        <p:spPr bwMode="auto">
+          <a:xfrm>
+            <a:off x="12271944" y="2305049"/>
+            <a:ext cx="2742565" cy="3385091"/>
+          </a:xfrm>
+          <a:prstGeom prst="rect">
+            <a:avLst/>
+          </a:prstGeom>
+          <a:noFill/>
+          <a:extLst>
+            <a:ext uri="{909E8E84-426E-40DD-AFC4-6F175D3DCCD1}">
+              <a14:hiddenFill xmlns:a14="http://schemas.microsoft.com/office/drawing/2010/main">
+                <a:solidFill>
+                  <a:srgbClr val="FFFFFF"/>
+                </a:solidFill>
+              </a14:hiddenFill>
+            </a:ext>
+          </a:extLst>
+        </p:spPr>
+      </p:pic>
+      <p:sp>
+        <p:nvSpPr>
+          <p:cNvPr id="11" name="TextBox 10">
+            <a:extLst>
+              <a:ext uri="{FF2B5EF4-FFF2-40B4-BE49-F238E27FC236}">
+                <a16:creationId xmlns:a16="http://schemas.microsoft.com/office/drawing/2014/main" id="{8CED1D62-BE5F-4792-8AB4-31B20215110D}"/>
+              </a:ext>
+            </a:extLst>
+          </p:cNvPr>
+          <p:cNvSpPr txBox="1"/>
+          <p:nvPr/>
         </p:nvSpPr>
         <p:spPr>
           <a:xfrm>
-            <a:off x="1096963" y="2074334"/>
-            <a:ext cx="8894445" cy="4023360"/>
+            <a:off x="4351469" y="5977115"/>
+            <a:ext cx="3550022" cy="276999"/>
           </a:xfrm>
+          <a:prstGeom prst="rect">
+            <a:avLst/>
+          </a:prstGeom>
+          <a:noFill/>
         </p:spPr>
         <p:txBody>
-          <a:bodyPr/>
+          <a:bodyPr wrap="square">
+            <a:spAutoFit/>
+          </a:bodyPr>
           <a:lstStyle/>
           <a:p>
-            <a:pPr>
-              <a:buFont typeface="Wingdings" panose="05000000000000000000" pitchFamily="2" charset="2"/>
-              <a:buChar char="q"/>
-            </a:pPr>
-            <a:r>
-              <a:rPr lang="en-US" dirty="0"/>
-              <a:t> Data Collection at different time frames like at Morning, Afternoon, Evening, at Night, etc.</a:t>
-            </a:r>
-          </a:p>
-          <a:p>
-            <a:pPr>
-              <a:buFont typeface="Wingdings" panose="05000000000000000000" pitchFamily="2" charset="2"/>
-              <a:buChar char="q"/>
-            </a:pPr>
-            <a:r>
-              <a:rPr lang="en-US" dirty="0"/>
-              <a:t> Data Collection at different motions like after running, and relaxed moment, and while sleeping, walking, etc.</a:t>
-            </a:r>
-          </a:p>
-          <a:p>
-            <a:pPr>
-              <a:buFont typeface="Wingdings" panose="05000000000000000000" pitchFamily="2" charset="2"/>
-              <a:buChar char="q"/>
-            </a:pPr>
-            <a:r>
-              <a:rPr lang="en-US" dirty="0"/>
-              <a:t> Will collect first data from myself.</a:t>
-            </a:r>
-          </a:p>
-          <a:p>
-            <a:pPr>
-              <a:buFont typeface="Wingdings" panose="05000000000000000000" pitchFamily="2" charset="2"/>
-              <a:buChar char="q"/>
-            </a:pPr>
-            <a:r>
-              <a:rPr lang="en-US" dirty="0"/>
-              <a:t> Same repetition, I will be  following with my family and in my neighborhood</a:t>
-            </a:r>
-          </a:p>
-          <a:p>
-            <a:pPr>
-              <a:buFont typeface="Wingdings" panose="05000000000000000000" pitchFamily="2" charset="2"/>
-              <a:buChar char="q"/>
-            </a:pPr>
-            <a:r>
-              <a:rPr lang="en-US" dirty="0"/>
-              <a:t> Will try to collect almost 500+ data, only 1 Lead ECG data.</a:t>
-            </a:r>
-          </a:p>
-          <a:p>
-            <a:pPr>
-              <a:buFont typeface="Wingdings" panose="05000000000000000000" pitchFamily="2" charset="2"/>
-              <a:buChar char="q"/>
-            </a:pPr>
-            <a:endParaRPr lang="en-US" dirty="0"/>
+            <a:pPr algn="ctr"/>
+            <a:r>
+              <a:rPr lang="en-US" sz="1200" dirty="0">
+                <a:effectLst/>
+                <a:latin typeface="Times New Roman" panose="02020603050405020304" pitchFamily="18" charset="0"/>
+                <a:ea typeface="Times New Roman" panose="02020603050405020304" pitchFamily="18" charset="0"/>
+              </a:rPr>
+              <a:t>MODEL PROTOTYPE</a:t>
+            </a:r>
           </a:p>
         </p:txBody>
       </p:sp>
+      <p:graphicFrame>
+        <p:nvGraphicFramePr>
+          <p:cNvPr id="3" name="Object 2">
+            <a:extLst>
+              <a:ext uri="{FF2B5EF4-FFF2-40B4-BE49-F238E27FC236}">
+                <a16:creationId xmlns:a16="http://schemas.microsoft.com/office/drawing/2014/main" id="{959B732C-E353-4682-B4C7-A8589253360E}"/>
+              </a:ext>
+            </a:extLst>
+          </p:cNvPr>
+          <p:cNvGraphicFramePr>
+            <a:graphicFrameLocks noChangeAspect="1"/>
+          </p:cNvGraphicFramePr>
+          <p:nvPr>
+            <p:extLst>
+              <p:ext uri="{D42A27DB-BD31-4B8C-83A1-F6EECF244321}">
+                <p14:modId xmlns:p14="http://schemas.microsoft.com/office/powerpoint/2010/main" val="4108230991"/>
+              </p:ext>
+            </p:extLst>
+          </p:nvPr>
+        </p:nvGraphicFramePr>
+        <p:xfrm>
+          <a:off x="-9046272" y="2305049"/>
+          <a:ext cx="8803454" cy="3838263"/>
+        </p:xfrm>
+        <a:graphic>
+          <a:graphicData uri="http://schemas.openxmlformats.org/presentationml/2006/ole">
+            <mc:AlternateContent xmlns:mc="http://schemas.openxmlformats.org/markup-compatibility/2006">
+              <mc:Choice xmlns:v="urn:schemas-microsoft-com:vml" Requires="v">
+                <p:oleObj name="Bitmap Image" r:id="rId3" imgW="6660000" imgH="2903400" progId="Paint.Picture">
+                  <p:embed/>
+                </p:oleObj>
+              </mc:Choice>
+              <mc:Fallback>
+                <p:oleObj name="Bitmap Image" r:id="rId3" imgW="6660000" imgH="2903400" progId="Paint.Picture">
+                  <p:embed/>
+                  <p:pic>
+                    <p:nvPicPr>
+                      <p:cNvPr id="3" name="Object 2">
+                        <a:extLst>
+                          <a:ext uri="{FF2B5EF4-FFF2-40B4-BE49-F238E27FC236}">
+                            <a16:creationId xmlns:a16="http://schemas.microsoft.com/office/drawing/2014/main" id="{959B732C-E353-4682-B4C7-A8589253360E}"/>
+                          </a:ext>
+                        </a:extLst>
+                      </p:cNvPr>
+                      <p:cNvPicPr/>
+                      <p:nvPr/>
+                    </p:nvPicPr>
+                    <p:blipFill>
+                      <a:blip r:embed="rId4"/>
+                      <a:stretch>
+                        <a:fillRect/>
+                      </a:stretch>
+                    </p:blipFill>
+                    <p:spPr>
+                      <a:xfrm>
+                        <a:off x="-9046272" y="2305049"/>
+                        <a:ext cx="8803454" cy="3838263"/>
+                      </a:xfrm>
+                      <a:prstGeom prst="rect">
+                        <a:avLst/>
+                      </a:prstGeom>
+                    </p:spPr>
+                  </p:pic>
+                </p:oleObj>
+              </mc:Fallback>
+            </mc:AlternateContent>
+          </a:graphicData>
+        </a:graphic>
+      </p:graphicFrame>
+      <mc:AlternateContent xmlns:mc="http://schemas.openxmlformats.org/markup-compatibility/2006">
+        <mc:Choice xmlns:am3d="http://schemas.microsoft.com/office/drawing/2017/model3d" Requires="am3d">
+          <p:graphicFrame>
+            <p:nvGraphicFramePr>
+              <p:cNvPr id="6" name="3D Model 5">
+                <a:extLst>
+                  <a:ext uri="{FF2B5EF4-FFF2-40B4-BE49-F238E27FC236}">
+                    <a16:creationId xmlns:a16="http://schemas.microsoft.com/office/drawing/2014/main" id="{B2D50821-D3B9-4F2F-929D-164D9ADCF03A}"/>
+                  </a:ext>
+                </a:extLst>
+              </p:cNvPr>
+              <p:cNvGraphicFramePr>
+                <a:graphicFrameLocks noChangeAspect="1"/>
+              </p:cNvGraphicFramePr>
+              <p:nvPr>
+                <p:extLst>
+                  <p:ext uri="{D42A27DB-BD31-4B8C-83A1-F6EECF244321}">
+                    <p14:modId xmlns:p14="http://schemas.microsoft.com/office/powerpoint/2010/main" val="3446345666"/>
+                  </p:ext>
+                </p:extLst>
+              </p:nvPr>
+            </p:nvGraphicFramePr>
+            <p:xfrm rot="16200000">
+              <a:off x="4645632" y="1707279"/>
+              <a:ext cx="2961692" cy="4580625"/>
+            </p:xfrm>
+            <a:graphic>
+              <a:graphicData uri="http://schemas.microsoft.com/office/drawing/2017/model3d">
+                <am3d:model3d r:embed="rId5">
+                  <am3d:spPr>
+                    <a:xfrm rot="16200000">
+                      <a:off x="0" y="0"/>
+                      <a:ext cx="2961692" cy="4580625"/>
+                    </a:xfrm>
+                    <a:prstGeom prst="rect">
+                      <a:avLst/>
+                    </a:prstGeom>
+                  </am3d:spPr>
+                  <am3d:camera>
+                    <am3d:pos x="0" y="0" z="57317420"/>
+                    <am3d:up dx="0" dy="36000000" dz="0"/>
+                    <am3d:lookAt x="0" y="0" z="0"/>
+                    <am3d:perspective fov="2700000"/>
+                  </am3d:camera>
+                  <am3d:trans>
+                    <am3d:meterPerModelUnit n="5847" d="1000000"/>
+                    <am3d:preTrans dx="0" dy="-526315" dz="-3789473"/>
+                    <am3d:scale>
+                      <am3d:sx n="1000000" d="1000000"/>
+                      <am3d:sy n="1000000" d="1000000"/>
+                      <am3d:sz n="1000000" d="1000000"/>
+                    </am3d:scale>
+                    <am3d:rot ax="1839572" ay="2303713" az="1212700"/>
+                    <am3d:postTrans dx="0" dy="0" dz="0"/>
+                  </am3d:trans>
+                  <am3d:raster rName="Office3DRenderer" rVer="16.0.8326">
+                    <am3d:blip r:embed="rId6"/>
+                  </am3d:raster>
+                  <am3d:objViewport viewportSz="5418658"/>
+                  <am3d:ambientLight>
+                    <am3d:clr>
+                      <a:scrgbClr r="50000" g="50000" b="50000"/>
+                    </am3d:clr>
+                    <am3d:illuminance n="500000" d="1000000"/>
+                  </am3d:ambientLight>
+                  <am3d:ptLight rad="0">
+                    <am3d:clr>
+                      <a:scrgbClr r="100000" g="75000" b="50000"/>
+                    </am3d:clr>
+                    <am3d:intensity n="9765625" d="1000000"/>
+                    <am3d:pos x="21959998" y="70920001" z="16344003"/>
+                  </am3d:ptLight>
+                  <am3d:ptLight rad="0">
+                    <am3d:clr>
+                      <a:scrgbClr r="40000" g="60000" b="95000"/>
+                    </am3d:clr>
+                    <am3d:intensity n="12250000" d="1000000"/>
+                    <am3d:pos x="-37964106" y="51130435" z="57631972"/>
+                  </am3d:ptLight>
+                  <am3d:ptLight rad="0">
+                    <am3d:clr>
+                      <a:scrgbClr r="86837" g="72700" b="100000"/>
+                    </am3d:clr>
+                    <am3d:intensity n="3125000" d="1000000"/>
+                    <am3d:pos x="-37739122" y="58056624" z="-34769649"/>
+                  </am3d:ptLight>
+                </am3d:model3d>
+              </a:graphicData>
+            </a:graphic>
+          </p:graphicFrame>
+        </mc:Choice>
+        <mc:Fallback>
+          <p:pic>
+            <p:nvPicPr>
+              <p:cNvPr id="6" name="3D Model 5">
+                <a:extLst>
+                  <a:ext uri="{FF2B5EF4-FFF2-40B4-BE49-F238E27FC236}">
+                    <a16:creationId xmlns:a16="http://schemas.microsoft.com/office/drawing/2014/main" id="{B2D50821-D3B9-4F2F-929D-164D9ADCF03A}"/>
+                  </a:ext>
+                </a:extLst>
+              </p:cNvPr>
+              <p:cNvPicPr>
+                <a:picLocks noGrp="1" noRot="1" noChangeAspect="1" noMove="1" noResize="1" noEditPoints="1" noAdjustHandles="1" noChangeArrowheads="1" noChangeShapeType="1" noCrop="1"/>
+              </p:cNvPicPr>
+              <p:nvPr/>
+            </p:nvPicPr>
+            <p:blipFill>
+              <a:blip r:embed="rId6"/>
+              <a:stretch>
+                <a:fillRect/>
+              </a:stretch>
+            </p:blipFill>
+            <p:spPr>
+              <a:xfrm rot="16200000">
+                <a:off x="4645632" y="1707279"/>
+                <a:ext cx="2961692" cy="4580625"/>
+              </a:xfrm>
+              <a:prstGeom prst="rect">
+                <a:avLst/>
+              </a:prstGeom>
+            </p:spPr>
+          </p:pic>
+        </mc:Fallback>
+      </mc:AlternateContent>
     </p:spTree>
     <p:extLst>
       <p:ext uri="{BB962C8B-B14F-4D97-AF65-F5344CB8AC3E}">
-        <p14:creationId xmlns:p14="http://schemas.microsoft.com/office/powerpoint/2010/main" val="768201297"/>
+        <p14:creationId xmlns:p14="http://schemas.microsoft.com/office/powerpoint/2010/main" val="2261321307"/>
       </p:ext>
     </p:extLst>
   </p:cSld>
   <p:clrMapOvr>
     <a:masterClrMapping/>
   </p:clrMapOvr>
+  <mc:AlternateContent xmlns:mc="http://schemas.openxmlformats.org/markup-compatibility/2006">
+    <mc:Choice xmlns:p159="http://schemas.microsoft.com/office/powerpoint/2015/09/main" Requires="p159">
+      <p:transition xmlns:p14="http://schemas.microsoft.com/office/powerpoint/2010/main" spd="slow" p14:dur="2000">
+        <p159:morph option="byObject"/>
+      </p:transition>
+    </mc:Choice>
+    <mc:Fallback>
+      <p:transition spd="slow">
+        <p:fade/>
+      </p:transition>
+    </mc:Fallback>
+  </mc:AlternateContent>
 </p:sld>
 </file>
 
@@ -11758,6 +11640,162 @@
                   </a:schemeClr>
                 </a:solidFill>
               </a:rPr>
+              <a:t>Data Collection</a:t>
+            </a:r>
+            <a:endParaRPr lang="en-US" sz="5400" dirty="0"/>
+          </a:p>
+        </p:txBody>
+      </p:sp>
+      <p:sp>
+        <p:nvSpPr>
+          <p:cNvPr id="3" name="Content Placeholder 2">
+            <a:extLst>
+              <a:ext uri="{FF2B5EF4-FFF2-40B4-BE49-F238E27FC236}">
+                <a16:creationId xmlns:a16="http://schemas.microsoft.com/office/drawing/2014/main" id="{6A271D0B-E7F6-41D5-864C-4C1570E92982}"/>
+              </a:ext>
+            </a:extLst>
+          </p:cNvPr>
+          <p:cNvSpPr>
+            <a:spLocks noGrp="1"/>
+          </p:cNvSpPr>
+          <p:nvPr>
+            <p:ph idx="1"/>
+          </p:nvPr>
+        </p:nvSpPr>
+        <p:spPr>
+          <a:xfrm>
+            <a:off x="1096963" y="2074334"/>
+            <a:ext cx="8894445" cy="4023360"/>
+          </a:xfrm>
+        </p:spPr>
+        <p:txBody>
+          <a:bodyPr/>
+          <a:lstStyle/>
+          <a:p>
+            <a:pPr>
+              <a:buFont typeface="Wingdings" panose="05000000000000000000" pitchFamily="2" charset="2"/>
+              <a:buChar char="q"/>
+            </a:pPr>
+            <a:r>
+              <a:rPr lang="en-US" dirty="0"/>
+              <a:t> Data Collection at different time frames like at Morning, Afternoon, Evening, at Night, etc.</a:t>
+            </a:r>
+          </a:p>
+          <a:p>
+            <a:pPr>
+              <a:buFont typeface="Wingdings" panose="05000000000000000000" pitchFamily="2" charset="2"/>
+              <a:buChar char="q"/>
+            </a:pPr>
+            <a:r>
+              <a:rPr lang="en-US" dirty="0"/>
+              <a:t> Data Collection at different motions like after running, and relaxed moment, and while sleeping, walking, etc.</a:t>
+            </a:r>
+          </a:p>
+          <a:p>
+            <a:pPr>
+              <a:buFont typeface="Wingdings" panose="05000000000000000000" pitchFamily="2" charset="2"/>
+              <a:buChar char="q"/>
+            </a:pPr>
+            <a:r>
+              <a:rPr lang="en-US" dirty="0"/>
+              <a:t> Will collect first data from myself.</a:t>
+            </a:r>
+          </a:p>
+          <a:p>
+            <a:pPr>
+              <a:buFont typeface="Wingdings" panose="05000000000000000000" pitchFamily="2" charset="2"/>
+              <a:buChar char="q"/>
+            </a:pPr>
+            <a:r>
+              <a:rPr lang="en-US" dirty="0"/>
+              <a:t> Same repetition, I will be  following with my family and in my neighborhood</a:t>
+            </a:r>
+          </a:p>
+          <a:p>
+            <a:pPr>
+              <a:buFont typeface="Wingdings" panose="05000000000000000000" pitchFamily="2" charset="2"/>
+              <a:buChar char="q"/>
+            </a:pPr>
+            <a:r>
+              <a:rPr lang="en-US" dirty="0"/>
+              <a:t> Will try to collect almost 500+ data, only 1 Lead ECG data.</a:t>
+            </a:r>
+          </a:p>
+          <a:p>
+            <a:pPr>
+              <a:buFont typeface="Wingdings" panose="05000000000000000000" pitchFamily="2" charset="2"/>
+              <a:buChar char="q"/>
+            </a:pPr>
+            <a:endParaRPr lang="en-US" dirty="0"/>
+          </a:p>
+        </p:txBody>
+      </p:sp>
+    </p:spTree>
+    <p:extLst>
+      <p:ext uri="{BB962C8B-B14F-4D97-AF65-F5344CB8AC3E}">
+        <p14:creationId xmlns:p14="http://schemas.microsoft.com/office/powerpoint/2010/main" val="768201297"/>
+      </p:ext>
+    </p:extLst>
+  </p:cSld>
+  <p:clrMapOvr>
+    <a:masterClrMapping/>
+  </p:clrMapOvr>
+</p:sld>
+</file>
+
+<file path=ppt/slides/slide14.xml><?xml version="1.0" encoding="utf-8"?>
+<p:sld xmlns:a="http://schemas.openxmlformats.org/drawingml/2006/main" xmlns:r="http://schemas.openxmlformats.org/officeDocument/2006/relationships" xmlns:p="http://schemas.openxmlformats.org/presentationml/2006/main">
+  <p:cSld>
+    <p:spTree>
+      <p:nvGrpSpPr>
+        <p:cNvPr id="1" name=""/>
+        <p:cNvGrpSpPr/>
+        <p:nvPr/>
+      </p:nvGrpSpPr>
+      <p:grpSpPr>
+        <a:xfrm>
+          <a:off x="0" y="0"/>
+          <a:ext cx="0" cy="0"/>
+          <a:chOff x="0" y="0"/>
+          <a:chExt cx="0" cy="0"/>
+        </a:xfrm>
+      </p:grpSpPr>
+      <p:sp>
+        <p:nvSpPr>
+          <p:cNvPr id="4" name="Title 1">
+            <a:extLst>
+              <a:ext uri="{FF2B5EF4-FFF2-40B4-BE49-F238E27FC236}">
+                <a16:creationId xmlns:a16="http://schemas.microsoft.com/office/drawing/2014/main" id="{FDC93897-E789-49E5-A950-B3CF3804A313}"/>
+              </a:ext>
+            </a:extLst>
+          </p:cNvPr>
+          <p:cNvSpPr>
+            <a:spLocks noGrp="1"/>
+          </p:cNvSpPr>
+          <p:nvPr>
+            <p:ph type="title"/>
+          </p:nvPr>
+        </p:nvSpPr>
+        <p:spPr>
+          <a:xfrm>
+            <a:off x="1096963" y="287338"/>
+            <a:ext cx="10058400" cy="1449387"/>
+          </a:xfrm>
+        </p:spPr>
+        <p:txBody>
+          <a:bodyPr>
+            <a:normAutofit/>
+          </a:bodyPr>
+          <a:lstStyle/>
+          <a:p>
+            <a:r>
+              <a:rPr lang="en-US" sz="6000" dirty="0">
+                <a:solidFill>
+                  <a:schemeClr val="bg2">
+                    <a:lumMod val="25000"/>
+                  </a:schemeClr>
+                </a:solidFill>
+              </a:rPr>
               <a:t>Timeline</a:t>
             </a:r>
             <a:endParaRPr lang="en-US" sz="5400" dirty="0"/>
@@ -11780,7 +11818,7 @@
             <p:ph idx="1"/>
             <p:extLst>
               <p:ext uri="{D42A27DB-BD31-4B8C-83A1-F6EECF244321}">
-                <p14:modId xmlns:p14="http://schemas.microsoft.com/office/powerpoint/2010/main" val="3671914545"/>
+                <p14:modId xmlns:p14="http://schemas.microsoft.com/office/powerpoint/2010/main" val="1225637848"/>
               </p:ext>
             </p:extLst>
           </p:nvPr>
@@ -11808,7 +11846,7 @@
 </p:sld>
 </file>
 
-<file path=ppt/slides/slide14.xml><?xml version="1.0" encoding="utf-8"?>
+<file path=ppt/slides/slide15.xml><?xml version="1.0" encoding="utf-8"?>
 <p:sld xmlns:a="http://schemas.openxmlformats.org/drawingml/2006/main" xmlns:r="http://schemas.openxmlformats.org/officeDocument/2006/relationships" xmlns:p="http://schemas.openxmlformats.org/presentationml/2006/main">
   <p:cSld>
     <p:spTree>
@@ -17849,18 +17887,18 @@
 </file>
 
 <file path=customXml/item1.xml><?xml version="1.0" encoding="utf-8"?>
-<p:properties xmlns:p="http://schemas.microsoft.com/office/2006/metadata/properties" xmlns:xsi="http://www.w3.org/2001/XMLSchema-instance" xmlns:pc="http://schemas.microsoft.com/office/infopath/2007/PartnerControls">
-  <documentManagement/>
-</p:properties>
-</file>
-
-<file path=customXml/item2.xml><?xml version="1.0" encoding="utf-8"?>
 <?mso-contentType ?>
 <FormTemplates xmlns="http://schemas.microsoft.com/sharepoint/v3/contenttype/forms">
   <Display>DocumentLibraryForm</Display>
   <Edit>DocumentLibraryForm</Edit>
   <New>DocumentLibraryForm</New>
 </FormTemplates>
+</file>
+
+<file path=customXml/item2.xml><?xml version="1.0" encoding="utf-8"?>
+<p:properties xmlns:p="http://schemas.microsoft.com/office/2006/metadata/properties" xmlns:xsi="http://www.w3.org/2001/XMLSchema-instance" xmlns:pc="http://schemas.microsoft.com/office/infopath/2007/PartnerControls">
+  <documentManagement/>
+</p:properties>
 </file>
 
 <file path=customXml/item3.xml><?xml version="1.0" encoding="utf-8"?>
@@ -18093,6 +18131,14 @@
 </file>
 
 <file path=customXml/itemProps1.xml><?xml version="1.0" encoding="utf-8"?>
+<ds:datastoreItem xmlns:ds="http://schemas.openxmlformats.org/officeDocument/2006/customXml" ds:itemID="{FD46C9AC-9502-48B6-AFD1-DD506A38F27F}">
+  <ds:schemaRefs>
+    <ds:schemaRef ds:uri="http://schemas.microsoft.com/sharepoint/v3/contenttype/forms"/>
+  </ds:schemaRefs>
+</ds:datastoreItem>
+</file>
+
+<file path=customXml/itemProps2.xml><?xml version="1.0" encoding="utf-8"?>
 <ds:datastoreItem xmlns:ds="http://schemas.openxmlformats.org/officeDocument/2006/customXml" ds:itemID="{58857166-9850-4BB3-B2AB-728AA6A4BEFC}">
   <ds:schemaRefs>
     <ds:schemaRef ds:uri="http://purl.org/dc/elements/1.1/"/>
@@ -18105,14 +18151,6 @@
     <ds:schemaRef ds:uri="d8a21f71-c3b1-4693-8072-d8ca6ebe4774"/>
     <ds:schemaRef ds:uri="http://schemas.microsoft.com/office/2006/metadata/properties"/>
     <ds:schemaRef ds:uri="http://purl.org/dc/dcmitype/"/>
-  </ds:schemaRefs>
-</ds:datastoreItem>
-</file>
-
-<file path=customXml/itemProps2.xml><?xml version="1.0" encoding="utf-8"?>
-<ds:datastoreItem xmlns:ds="http://schemas.openxmlformats.org/officeDocument/2006/customXml" ds:itemID="{FD46C9AC-9502-48B6-AFD1-DD506A38F27F}">
-  <ds:schemaRefs>
-    <ds:schemaRef ds:uri="http://schemas.microsoft.com/sharepoint/v3/contenttype/forms"/>
   </ds:schemaRefs>
 </ds:datastoreItem>
 </file>
